--- a/Presentations/3. Final presentation/IMS_A_6_Final_Presentation.pptx
+++ b/Presentations/3. Final presentation/IMS_A_6_Final_Presentation.pptx
@@ -5,22 +5,17 @@
     <p:sldMasterId id="2147483732" r:id="rId1"/>
   </p:sldMasterIdLst>
   <p:notesMasterIdLst>
-    <p:notesMasterId r:id="rId12"/>
+    <p:notesMasterId r:id="rId7"/>
   </p:notesMasterIdLst>
   <p:handoutMasterIdLst>
-    <p:handoutMasterId r:id="rId13"/>
+    <p:handoutMasterId r:id="rId8"/>
   </p:handoutMasterIdLst>
   <p:sldIdLst>
     <p:sldId id="256" r:id="rId2"/>
     <p:sldId id="261" r:id="rId3"/>
-    <p:sldId id="258" r:id="rId4"/>
-    <p:sldId id="260" r:id="rId5"/>
-    <p:sldId id="262" r:id="rId6"/>
-    <p:sldId id="263" r:id="rId7"/>
-    <p:sldId id="264" r:id="rId8"/>
-    <p:sldId id="267" r:id="rId9"/>
-    <p:sldId id="268" r:id="rId10"/>
-    <p:sldId id="266" r:id="rId11"/>
+    <p:sldId id="267" r:id="rId4"/>
+    <p:sldId id="268" r:id="rId5"/>
+    <p:sldId id="266" r:id="rId6"/>
   </p:sldIdLst>
   <p:sldSz cx="9144000" cy="6858000" type="screen4x3"/>
   <p:notesSz cx="6858000" cy="9144000"/>
@@ -161,7 +156,7 @@
           <p:cNvPr id="2" name="Header Placeholder 1">
             <a:extLst>
               <a:ext uri="{FF2B5EF4-FFF2-40B4-BE49-F238E27FC236}">
-                <a16:creationId xmlns:a16="http://schemas.microsoft.com/office/drawing/2014/main" id="{5DCE3299-BD85-4043-B7FE-74DF3BA199DB}"/>
+                <a16:creationId xmlns:a16="http://schemas.microsoft.com/office/drawing/2014/main" xmlns="" id="{5DCE3299-BD85-4043-B7FE-74DF3BA199DB}"/>
               </a:ext>
             </a:extLst>
           </p:cNvPr>
@@ -198,7 +193,7 @@
           <p:cNvPr id="3" name="Date Placeholder 2">
             <a:extLst>
               <a:ext uri="{FF2B5EF4-FFF2-40B4-BE49-F238E27FC236}">
-                <a16:creationId xmlns:a16="http://schemas.microsoft.com/office/drawing/2014/main" id="{610E86E5-F4D4-46F3-8A0A-AE218C082BC9}"/>
+                <a16:creationId xmlns:a16="http://schemas.microsoft.com/office/drawing/2014/main" xmlns="" id="{610E86E5-F4D4-46F3-8A0A-AE218C082BC9}"/>
               </a:ext>
             </a:extLst>
           </p:cNvPr>
@@ -228,7 +223,7 @@
           <a:p>
             <a:fld id="{A6952B95-06EE-48F9-8CE6-BD72AE48B352}" type="datetimeFigureOut">
               <a:rPr lang="en-GB" smtClean="0"/>
-              <a:t>28/11/2017</a:t>
+              <a:t>13/01/2018</a:t>
             </a:fld>
             <a:endParaRPr lang="en-GB"/>
           </a:p>
@@ -239,7 +234,7 @@
           <p:cNvPr id="4" name="Footer Placeholder 3">
             <a:extLst>
               <a:ext uri="{FF2B5EF4-FFF2-40B4-BE49-F238E27FC236}">
-                <a16:creationId xmlns:a16="http://schemas.microsoft.com/office/drawing/2014/main" id="{1A2E9D3B-CD4B-4D44-8FAA-A4D69584EFA0}"/>
+                <a16:creationId xmlns:a16="http://schemas.microsoft.com/office/drawing/2014/main" xmlns="" id="{1A2E9D3B-CD4B-4D44-8FAA-A4D69584EFA0}"/>
               </a:ext>
             </a:extLst>
           </p:cNvPr>
@@ -276,7 +271,7 @@
           <p:cNvPr id="5" name="Slide Number Placeholder 4">
             <a:extLst>
               <a:ext uri="{FF2B5EF4-FFF2-40B4-BE49-F238E27FC236}">
-                <a16:creationId xmlns:a16="http://schemas.microsoft.com/office/drawing/2014/main" id="{374B4354-1FF3-456D-B9A4-2A30AF222922}"/>
+                <a16:creationId xmlns:a16="http://schemas.microsoft.com/office/drawing/2014/main" xmlns="" id="{374B4354-1FF3-456D-B9A4-2A30AF222922}"/>
               </a:ext>
             </a:extLst>
           </p:cNvPr>
@@ -405,7 +400,7 @@
           <a:p>
             <a:fld id="{5D71F2A7-5F20-42E8-AABF-EC7FFDF3CF26}" type="datetimeFigureOut">
               <a:rPr lang="en-GB" smtClean="0"/>
-              <a:t>28/11/2017</a:t>
+              <a:t>13/01/2018</a:t>
             </a:fld>
             <a:endParaRPr lang="en-GB"/>
           </a:p>
@@ -4426,7 +4421,7 @@
           <p:cNvPr id="2" name="Title 1">
             <a:extLst>
               <a:ext uri="{FF2B5EF4-FFF2-40B4-BE49-F238E27FC236}">
-                <a16:creationId xmlns:a16="http://schemas.microsoft.com/office/drawing/2014/main" id="{FB6883A6-8FC3-4BE1-BB43-A5E0FBE8E04E}"/>
+                <a16:creationId xmlns:a16="http://schemas.microsoft.com/office/drawing/2014/main" xmlns="" id="{FB6883A6-8FC3-4BE1-BB43-A5E0FBE8E04E}"/>
               </a:ext>
             </a:extLst>
           </p:cNvPr>
@@ -4461,7 +4456,7 @@
           <p:cNvPr id="3" name="Subtitle 2">
             <a:extLst>
               <a:ext uri="{FF2B5EF4-FFF2-40B4-BE49-F238E27FC236}">
-                <a16:creationId xmlns:a16="http://schemas.microsoft.com/office/drawing/2014/main" id="{CBCAA603-FC05-4E4B-AD75-940697CD8B7E}"/>
+                <a16:creationId xmlns:a16="http://schemas.microsoft.com/office/drawing/2014/main" xmlns="" id="{CBCAA603-FC05-4E4B-AD75-940697CD8B7E}"/>
               </a:ext>
             </a:extLst>
           </p:cNvPr>
@@ -4486,8 +4481,12 @@
           </a:p>
           <a:p>
             <a:r>
-              <a:rPr lang="it-IT" dirty="0"/>
-              <a:t>29/11/2017</a:t>
+              <a:rPr lang="it-IT" dirty="0" smtClean="0"/>
+              <a:t>18</a:t>
+            </a:r>
+            <a:r>
+              <a:rPr lang="it-IT" dirty="0" smtClean="0"/>
+              <a:t>/01/2018</a:t>
             </a:r>
             <a:endParaRPr lang="en-GB" dirty="0"/>
           </a:p>
@@ -4498,7 +4497,7 @@
           <p:cNvPr id="4" name="Date Placeholder 3">
             <a:extLst>
               <a:ext uri="{FF2B5EF4-FFF2-40B4-BE49-F238E27FC236}">
-                <a16:creationId xmlns:a16="http://schemas.microsoft.com/office/drawing/2014/main" id="{6A452B27-506E-486A-88DD-25DB601BB4CA}"/>
+                <a16:creationId xmlns:a16="http://schemas.microsoft.com/office/drawing/2014/main" xmlns="" id="{6A452B27-506E-486A-88DD-25DB601BB4CA}"/>
               </a:ext>
             </a:extLst>
           </p:cNvPr>
@@ -4532,7 +4531,7 @@
           <p:cNvPr id="5" name="Footer Placeholder 4">
             <a:extLst>
               <a:ext uri="{FF2B5EF4-FFF2-40B4-BE49-F238E27FC236}">
-                <a16:creationId xmlns:a16="http://schemas.microsoft.com/office/drawing/2014/main" id="{157B7025-7245-4F8A-A2D3-CA8DC9051100}"/>
+                <a16:creationId xmlns:a16="http://schemas.microsoft.com/office/drawing/2014/main" xmlns="" id="{157B7025-7245-4F8A-A2D3-CA8DC9051100}"/>
               </a:ext>
             </a:extLst>
           </p:cNvPr>
@@ -4565,7 +4564,7 @@
           <p:cNvPr id="9" name="Picture 8">
             <a:extLst>
               <a:ext uri="{FF2B5EF4-FFF2-40B4-BE49-F238E27FC236}">
-                <a16:creationId xmlns:a16="http://schemas.microsoft.com/office/drawing/2014/main" id="{9CDF0014-5D5B-425C-8A37-DEAFF669491D}"/>
+                <a16:creationId xmlns:a16="http://schemas.microsoft.com/office/drawing/2014/main" xmlns="" id="{9CDF0014-5D5B-425C-8A37-DEAFF669491D}"/>
               </a:ext>
             </a:extLst>
           </p:cNvPr>
@@ -4606,151 +4605,13 @@
   <p:clrMapOvr>
     <a:masterClrMapping/>
   </p:clrMapOvr>
-</p:sld>
-</file>
-
-<file path=ppt/slides/slide10.xml><?xml version="1.0" encoding="utf-8"?>
-<p:sld xmlns:a="http://schemas.openxmlformats.org/drawingml/2006/main" xmlns:r="http://schemas.openxmlformats.org/officeDocument/2006/relationships" xmlns:p="http://schemas.openxmlformats.org/presentationml/2006/main">
-  <p:cSld>
-    <p:spTree>
-      <p:nvGrpSpPr>
-        <p:cNvPr id="1" name=""/>
-        <p:cNvGrpSpPr/>
-        <p:nvPr/>
-      </p:nvGrpSpPr>
-      <p:grpSpPr>
-        <a:xfrm>
-          <a:off x="0" y="0"/>
-          <a:ext cx="0" cy="0"/>
-          <a:chOff x="0" y="0"/>
-          <a:chExt cx="0" cy="0"/>
-        </a:xfrm>
-      </p:grpSpPr>
-      <p:sp>
-        <p:nvSpPr>
-          <p:cNvPr id="2" name="Title 1">
-            <a:extLst>
-              <a:ext uri="{FF2B5EF4-FFF2-40B4-BE49-F238E27FC236}">
-                <a16:creationId xmlns:a16="http://schemas.microsoft.com/office/drawing/2014/main" id="{8E13A3F7-DEA5-4422-8558-68CCCB4DDBA5}"/>
-              </a:ext>
-            </a:extLst>
-          </p:cNvPr>
-          <p:cNvSpPr>
-            <a:spLocks noGrp="1"/>
-          </p:cNvSpPr>
-          <p:nvPr>
-            <p:ph type="ctrTitle"/>
-          </p:nvPr>
-        </p:nvSpPr>
-        <p:spPr/>
-        <p:txBody>
-          <a:bodyPr/>
-          <a:lstStyle/>
-          <a:p>
-            <a:r>
-              <a:rPr lang="it-IT" dirty="0"/>
-              <a:t>Thank you for your attention</a:t>
-            </a:r>
-            <a:endParaRPr lang="en-GB" dirty="0"/>
-          </a:p>
-        </p:txBody>
-      </p:sp>
-      <p:sp>
-        <p:nvSpPr>
-          <p:cNvPr id="4" name="Date Placeholder 3">
-            <a:extLst>
-              <a:ext uri="{FF2B5EF4-FFF2-40B4-BE49-F238E27FC236}">
-                <a16:creationId xmlns:a16="http://schemas.microsoft.com/office/drawing/2014/main" id="{81FDD2C4-0427-4096-A8D4-C3582059EA53}"/>
-              </a:ext>
-            </a:extLst>
-          </p:cNvPr>
-          <p:cNvSpPr>
-            <a:spLocks noGrp="1"/>
-          </p:cNvSpPr>
-          <p:nvPr>
-            <p:ph type="dt" sz="half" idx="10"/>
-          </p:nvPr>
-        </p:nvSpPr>
-        <p:spPr/>
-        <p:txBody>
-          <a:bodyPr/>
-          <a:lstStyle/>
-          <a:p>
-            <a:r>
-              <a:rPr lang="en-US"/>
-              <a:t>A.Y. 2017/18</a:t>
-            </a:r>
-            <a:endParaRPr lang="en-GB"/>
-          </a:p>
-        </p:txBody>
-      </p:sp>
-      <p:sp>
-        <p:nvSpPr>
-          <p:cNvPr id="5" name="Footer Placeholder 4">
-            <a:extLst>
-              <a:ext uri="{FF2B5EF4-FFF2-40B4-BE49-F238E27FC236}">
-                <a16:creationId xmlns:a16="http://schemas.microsoft.com/office/drawing/2014/main" id="{0339F8C2-760A-470D-9C24-4B488FA39B09}"/>
-              </a:ext>
-            </a:extLst>
-          </p:cNvPr>
-          <p:cNvSpPr>
-            <a:spLocks noGrp="1"/>
-          </p:cNvSpPr>
-          <p:nvPr>
-            <p:ph type="ftr" sz="quarter" idx="11"/>
-          </p:nvPr>
-        </p:nvSpPr>
-        <p:spPr/>
-        <p:txBody>
-          <a:bodyPr/>
-          <a:lstStyle/>
-          <a:p>
-            <a:r>
-              <a:rPr lang="en-GB"/>
-              <a:t>IMS – A6</a:t>
-            </a:r>
-          </a:p>
-        </p:txBody>
-      </p:sp>
-      <p:sp>
-        <p:nvSpPr>
-          <p:cNvPr id="6" name="Slide Number Placeholder 5">
-            <a:extLst>
-              <a:ext uri="{FF2B5EF4-FFF2-40B4-BE49-F238E27FC236}">
-                <a16:creationId xmlns:a16="http://schemas.microsoft.com/office/drawing/2014/main" id="{D0A895D0-D134-4047-9611-2A8B9DE2E512}"/>
-              </a:ext>
-            </a:extLst>
-          </p:cNvPr>
-          <p:cNvSpPr>
-            <a:spLocks noGrp="1"/>
-          </p:cNvSpPr>
-          <p:nvPr>
-            <p:ph type="sldNum" sz="quarter" idx="12"/>
-          </p:nvPr>
-        </p:nvSpPr>
-        <p:spPr/>
-        <p:txBody>
-          <a:bodyPr/>
-          <a:lstStyle/>
-          <a:p>
-            <a:fld id="{E63C5663-C309-400D-BD5F-8327758EFEBB}" type="slidenum">
-              <a:rPr lang="en-GB" smtClean="0"/>
-              <a:t>10</a:t>
-            </a:fld>
-            <a:endParaRPr lang="en-GB"/>
-          </a:p>
-        </p:txBody>
-      </p:sp>
-    </p:spTree>
-    <p:extLst>
-      <p:ext uri="{BB962C8B-B14F-4D97-AF65-F5344CB8AC3E}">
-        <p14:creationId xmlns:p14="http://schemas.microsoft.com/office/powerpoint/2010/main" val="2750131255"/>
-      </p:ext>
-    </p:extLst>
-  </p:cSld>
-  <p:clrMapOvr>
-    <a:masterClrMapping/>
-  </p:clrMapOvr>
+  <p:timing>
+    <p:tnLst>
+      <p:par>
+        <p:cTn id="1" dur="indefinite" restart="never" nodeType="tmRoot"/>
+      </p:par>
+    </p:tnLst>
+  </p:timing>
 </p:sld>
 </file>
 
@@ -4776,7 +4637,7 @@
           <p:cNvPr id="2" name="Title 1">
             <a:extLst>
               <a:ext uri="{FF2B5EF4-FFF2-40B4-BE49-F238E27FC236}">
-                <a16:creationId xmlns:a16="http://schemas.microsoft.com/office/drawing/2014/main" id="{E34F0580-A203-4A19-A1EA-D994C7756136}"/>
+                <a16:creationId xmlns:a16="http://schemas.microsoft.com/office/drawing/2014/main" xmlns="" id="{E34F0580-A203-4A19-A1EA-D994C7756136}"/>
               </a:ext>
             </a:extLst>
           </p:cNvPr>
@@ -4804,7 +4665,7 @@
           <p:cNvPr id="3" name="Content Placeholder 2">
             <a:extLst>
               <a:ext uri="{FF2B5EF4-FFF2-40B4-BE49-F238E27FC236}">
-                <a16:creationId xmlns:a16="http://schemas.microsoft.com/office/drawing/2014/main" id="{A683F7D0-6178-44CC-A3B8-809ADC667CA8}"/>
+                <a16:creationId xmlns:a16="http://schemas.microsoft.com/office/drawing/2014/main" xmlns="" id="{A683F7D0-6178-44CC-A3B8-809ADC667CA8}"/>
               </a:ext>
             </a:extLst>
           </p:cNvPr>
@@ -4898,7 +4759,7 @@
           <p:cNvPr id="4" name="Date Placeholder 3">
             <a:extLst>
               <a:ext uri="{FF2B5EF4-FFF2-40B4-BE49-F238E27FC236}">
-                <a16:creationId xmlns:a16="http://schemas.microsoft.com/office/drawing/2014/main" id="{E89CD802-A9B2-44A4-9B05-521831710354}"/>
+                <a16:creationId xmlns:a16="http://schemas.microsoft.com/office/drawing/2014/main" xmlns="" id="{E89CD802-A9B2-44A4-9B05-521831710354}"/>
               </a:ext>
             </a:extLst>
           </p:cNvPr>
@@ -4927,7 +4788,7 @@
           <p:cNvPr id="5" name="Footer Placeholder 4">
             <a:extLst>
               <a:ext uri="{FF2B5EF4-FFF2-40B4-BE49-F238E27FC236}">
-                <a16:creationId xmlns:a16="http://schemas.microsoft.com/office/drawing/2014/main" id="{A2B3A699-F20F-43DD-A646-DF2CFAACD8E2}"/>
+                <a16:creationId xmlns:a16="http://schemas.microsoft.com/office/drawing/2014/main" xmlns="" id="{A2B3A699-F20F-43DD-A646-DF2CFAACD8E2}"/>
               </a:ext>
             </a:extLst>
           </p:cNvPr>
@@ -4956,7 +4817,7 @@
           <p:cNvPr id="6" name="Slide Number Placeholder 5">
             <a:extLst>
               <a:ext uri="{FF2B5EF4-FFF2-40B4-BE49-F238E27FC236}">
-                <a16:creationId xmlns:a16="http://schemas.microsoft.com/office/drawing/2014/main" id="{600BC6BB-F68A-4021-994A-3985D0B8C07C}"/>
+                <a16:creationId xmlns:a16="http://schemas.microsoft.com/office/drawing/2014/main" xmlns="" id="{600BC6BB-F68A-4021-994A-3985D0B8C07C}"/>
               </a:ext>
             </a:extLst>
           </p:cNvPr>
@@ -4990,6 +4851,13 @@
   <p:clrMapOvr>
     <a:masterClrMapping/>
   </p:clrMapOvr>
+  <p:timing>
+    <p:tnLst>
+      <p:par>
+        <p:cTn id="1" dur="indefinite" restart="never" nodeType="tmRoot"/>
+      </p:par>
+    </p:tnLst>
+  </p:timing>
 </p:sld>
 </file>
 
@@ -5015,7 +4883,7 @@
           <p:cNvPr id="2" name="Title 1">
             <a:extLst>
               <a:ext uri="{FF2B5EF4-FFF2-40B4-BE49-F238E27FC236}">
-                <a16:creationId xmlns:a16="http://schemas.microsoft.com/office/drawing/2014/main" id="{E34F0580-A203-4A19-A1EA-D994C7756136}"/>
+                <a16:creationId xmlns:a16="http://schemas.microsoft.com/office/drawing/2014/main" xmlns="" id="{E34F0580-A203-4A19-A1EA-D994C7756136}"/>
               </a:ext>
             </a:extLst>
           </p:cNvPr>
@@ -5032,9 +4900,74 @@
           <a:lstStyle/>
           <a:p>
             <a:r>
-              <a:rPr lang="it-IT" dirty="0"/>
-              <a:t>Database</a:t>
-            </a:r>
+              <a:rPr lang="it-IT" dirty="0" smtClean="0"/>
+              <a:t>External libraries		</a:t>
+            </a:r>
+            <a:endParaRPr lang="it-IT" dirty="0"/>
+          </a:p>
+        </p:txBody>
+      </p:sp>
+      <p:sp>
+        <p:nvSpPr>
+          <p:cNvPr id="3" name="Content Placeholder 2">
+            <a:extLst>
+              <a:ext uri="{FF2B5EF4-FFF2-40B4-BE49-F238E27FC236}">
+                <a16:creationId xmlns:a16="http://schemas.microsoft.com/office/drawing/2014/main" xmlns="" id="{A683F7D0-6178-44CC-A3B8-809ADC667CA8}"/>
+              </a:ext>
+            </a:extLst>
+          </p:cNvPr>
+          <p:cNvSpPr>
+            <a:spLocks noGrp="1"/>
+          </p:cNvSpPr>
+          <p:nvPr>
+            <p:ph idx="1"/>
+          </p:nvPr>
+        </p:nvSpPr>
+        <p:spPr>
+          <a:xfrm>
+            <a:off x="822960" y="2405728"/>
+            <a:ext cx="7543800" cy="3017520"/>
+          </a:xfrm>
+        </p:spPr>
+        <p:txBody>
+          <a:bodyPr/>
+          <a:lstStyle/>
+          <a:p>
+            <a:pPr>
+              <a:buFont typeface="Arial" panose="020B0604020202020204" pitchFamily="34" charset="0"/>
+              <a:buChar char="•"/>
+            </a:pPr>
+            <a:r>
+              <a:rPr lang="it-IT" dirty="0" smtClean="0"/>
+              <a:t> Lightbox </a:t>
+            </a:r>
+          </a:p>
+          <a:p>
+            <a:pPr>
+              <a:buFont typeface="Arial" panose="020B0604020202020204" pitchFamily="34" charset="0"/>
+              <a:buChar char="•"/>
+            </a:pPr>
+            <a:r>
+              <a:rPr lang="it-IT" dirty="0" smtClean="0"/>
+              <a:t> PHPMailer</a:t>
+            </a:r>
+          </a:p>
+          <a:p>
+            <a:pPr>
+              <a:buFont typeface="Arial" panose="020B0604020202020204" pitchFamily="34" charset="0"/>
+              <a:buChar char="•"/>
+            </a:pPr>
+            <a:r>
+              <a:rPr lang="it-IT" dirty="0" smtClean="0"/>
+              <a:t> Mail Scheduler</a:t>
+            </a:r>
+            <a:endParaRPr lang="en-GB" dirty="0" smtClean="0"/>
+          </a:p>
+          <a:p>
+            <a:pPr marL="0" indent="0">
+              <a:buNone/>
+            </a:pPr>
+            <a:endParaRPr lang="it-IT" dirty="0"/>
           </a:p>
         </p:txBody>
       </p:sp>
@@ -5043,7 +4976,7 @@
           <p:cNvPr id="4" name="Date Placeholder 3">
             <a:extLst>
               <a:ext uri="{FF2B5EF4-FFF2-40B4-BE49-F238E27FC236}">
-                <a16:creationId xmlns:a16="http://schemas.microsoft.com/office/drawing/2014/main" id="{E89CD802-A9B2-44A4-9B05-521831710354}"/>
+                <a16:creationId xmlns:a16="http://schemas.microsoft.com/office/drawing/2014/main" xmlns="" id="{E89CD802-A9B2-44A4-9B05-521831710354}"/>
               </a:ext>
             </a:extLst>
           </p:cNvPr>
@@ -5072,7 +5005,7 @@
           <p:cNvPr id="5" name="Footer Placeholder 4">
             <a:extLst>
               <a:ext uri="{FF2B5EF4-FFF2-40B4-BE49-F238E27FC236}">
-                <a16:creationId xmlns:a16="http://schemas.microsoft.com/office/drawing/2014/main" id="{A2B3A699-F20F-43DD-A646-DF2CFAACD8E2}"/>
+                <a16:creationId xmlns:a16="http://schemas.microsoft.com/office/drawing/2014/main" xmlns="" id="{A2B3A699-F20F-43DD-A646-DF2CFAACD8E2}"/>
               </a:ext>
             </a:extLst>
           </p:cNvPr>
@@ -5101,7 +5034,7 @@
           <p:cNvPr id="6" name="Slide Number Placeholder 5">
             <a:extLst>
               <a:ext uri="{FF2B5EF4-FFF2-40B4-BE49-F238E27FC236}">
-                <a16:creationId xmlns:a16="http://schemas.microsoft.com/office/drawing/2014/main" id="{600BC6BB-F68A-4021-994A-3985D0B8C07C}"/>
+                <a16:creationId xmlns:a16="http://schemas.microsoft.com/office/drawing/2014/main" xmlns="" id="{600BC6BB-F68A-4021-994A-3985D0B8C07C}"/>
               </a:ext>
             </a:extLst>
           </p:cNvPr>
@@ -5125,45 +5058,23 @@
           </a:p>
         </p:txBody>
       </p:sp>
-      <p:pic>
-        <p:nvPicPr>
-          <p:cNvPr id="7" name="Content Placeholder 6"/>
-          <p:cNvPicPr>
-            <a:picLocks noGrp="1" noChangeAspect="1"/>
-          </p:cNvPicPr>
-          <p:nvPr>
-            <p:ph idx="1"/>
-          </p:nvPr>
-        </p:nvPicPr>
-        <p:blipFill>
-          <a:blip r:embed="rId2">
-            <a:extLst>
-              <a:ext uri="{28A0092B-C50C-407E-A947-70E740481C1C}">
-                <a14:useLocalDpi xmlns:a14="http://schemas.microsoft.com/office/drawing/2010/main" val="0"/>
-              </a:ext>
-            </a:extLst>
-          </a:blip>
-          <a:stretch>
-            <a:fillRect/>
-          </a:stretch>
-        </p:blipFill>
-        <p:spPr>
-          <a:xfrm>
-            <a:off x="1300513" y="1957999"/>
-            <a:ext cx="6588693" cy="3975935"/>
-          </a:xfrm>
-        </p:spPr>
-      </p:pic>
     </p:spTree>
     <p:extLst>
       <p:ext uri="{BB962C8B-B14F-4D97-AF65-F5344CB8AC3E}">
-        <p14:creationId xmlns:p14="http://schemas.microsoft.com/office/powerpoint/2010/main" val="822641678"/>
+        <p14:creationId xmlns:p14="http://schemas.microsoft.com/office/powerpoint/2010/main" val="515592443"/>
       </p:ext>
     </p:extLst>
   </p:cSld>
   <p:clrMapOvr>
     <a:masterClrMapping/>
   </p:clrMapOvr>
+  <p:timing>
+    <p:tnLst>
+      <p:par>
+        <p:cTn id="1" dur="indefinite" restart="never" nodeType="tmRoot"/>
+      </p:par>
+    </p:tnLst>
+  </p:timing>
 </p:sld>
 </file>
 
@@ -5189,7 +5100,7 @@
           <p:cNvPr id="2" name="Title 1">
             <a:extLst>
               <a:ext uri="{FF2B5EF4-FFF2-40B4-BE49-F238E27FC236}">
-                <a16:creationId xmlns:a16="http://schemas.microsoft.com/office/drawing/2014/main" id="{E34F0580-A203-4A19-A1EA-D994C7756136}"/>
+                <a16:creationId xmlns:a16="http://schemas.microsoft.com/office/drawing/2014/main" xmlns="" id="{E34F0580-A203-4A19-A1EA-D994C7756136}"/>
               </a:ext>
             </a:extLst>
           </p:cNvPr>
@@ -5200,24 +5111,42 @@
             <p:ph type="title"/>
           </p:nvPr>
         </p:nvSpPr>
-        <p:spPr/>
-        <p:txBody>
-          <a:bodyPr/>
-          <a:lstStyle/>
-          <a:p>
-            <a:r>
-              <a:rPr lang="it-IT" dirty="0"/>
-              <a:t>Estimated Effort</a:t>
-            </a:r>
-          </a:p>
-        </p:txBody>
-      </p:sp>
-      <p:sp>
-        <p:nvSpPr>
-          <p:cNvPr id="3" name="Content Placeholder 2">
+        <p:spPr>
+          <a:xfrm>
+            <a:off x="822960" y="245661"/>
+            <a:ext cx="7543800" cy="1450757"/>
+          </a:xfrm>
+        </p:spPr>
+        <p:txBody>
+          <a:bodyPr/>
+          <a:lstStyle/>
+          <a:p>
+            <a:r>
+              <a:rPr lang="it-IT" smtClean="0"/>
+              <a:t>Now l</a:t>
+            </a:r>
+            <a:r>
+              <a:rPr lang="it-IT" smtClean="0"/>
+              <a:t>et’s </a:t>
+            </a:r>
+            <a:r>
+              <a:rPr lang="it-IT" dirty="0" smtClean="0"/>
+              <a:t>take a look</a:t>
+            </a:r>
+            <a:r>
+              <a:rPr lang="en-US" dirty="0" smtClean="0"/>
+              <a:t>!</a:t>
+            </a:r>
+            <a:endParaRPr lang="it-IT" dirty="0"/>
+          </a:p>
+        </p:txBody>
+      </p:sp>
+      <p:sp>
+        <p:nvSpPr>
+          <p:cNvPr id="4" name="Date Placeholder 3">
             <a:extLst>
               <a:ext uri="{FF2B5EF4-FFF2-40B4-BE49-F238E27FC236}">
-                <a16:creationId xmlns:a16="http://schemas.microsoft.com/office/drawing/2014/main" id="{A683F7D0-6178-44CC-A3B8-809ADC667CA8}"/>
+                <a16:creationId xmlns:a16="http://schemas.microsoft.com/office/drawing/2014/main" xmlns="" id="{E89CD802-A9B2-44A4-9B05-521831710354}"/>
               </a:ext>
             </a:extLst>
           </p:cNvPr>
@@ -5225,65 +5154,28 @@
             <a:spLocks noGrp="1"/>
           </p:cNvSpPr>
           <p:nvPr>
-            <p:ph idx="1"/>
-          </p:nvPr>
-        </p:nvSpPr>
-        <p:spPr>
-          <a:xfrm>
-            <a:off x="822960" y="2405728"/>
-            <a:ext cx="7543800" cy="3017520"/>
-          </a:xfrm>
-        </p:spPr>
-        <p:txBody>
-          <a:bodyPr/>
-          <a:lstStyle/>
-          <a:p>
-            <a:pPr marL="0" indent="0">
-              <a:buNone/>
-            </a:pPr>
-            <a:r>
-              <a:rPr lang="it-IT" dirty="0"/>
-              <a:t>Goal: fully working website</a:t>
-            </a:r>
-          </a:p>
-          <a:p>
-            <a:pPr>
-              <a:buFont typeface="Arial" panose="020B0604020202020204" pitchFamily="34" charset="0"/>
-              <a:buChar char="•"/>
-            </a:pPr>
-            <a:r>
-              <a:rPr lang="it-IT" dirty="0"/>
-              <a:t> 1/4 planning</a:t>
-            </a:r>
-          </a:p>
-          <a:p>
-            <a:pPr>
-              <a:buFont typeface="Arial" panose="020B0604020202020204" pitchFamily="34" charset="0"/>
-              <a:buChar char="•"/>
-            </a:pPr>
-            <a:r>
-              <a:rPr lang="it-IT" dirty="0"/>
-              <a:t> 2/4 implementation ~130h</a:t>
-            </a:r>
-          </a:p>
-          <a:p>
-            <a:pPr>
-              <a:buFont typeface="Arial" panose="020B0604020202020204" pitchFamily="34" charset="0"/>
-              <a:buChar char="•"/>
-            </a:pPr>
-            <a:r>
-              <a:rPr lang="it-IT" dirty="0"/>
-              <a:t> 1/4 testing &amp; documentation</a:t>
-            </a:r>
-          </a:p>
-        </p:txBody>
-      </p:sp>
-      <p:sp>
-        <p:nvSpPr>
-          <p:cNvPr id="4" name="Date Placeholder 3">
+            <p:ph type="dt" sz="half" idx="10"/>
+          </p:nvPr>
+        </p:nvSpPr>
+        <p:spPr/>
+        <p:txBody>
+          <a:bodyPr/>
+          <a:lstStyle/>
+          <a:p>
+            <a:r>
+              <a:rPr lang="en-US"/>
+              <a:t>A.Y. 2017/18</a:t>
+            </a:r>
+            <a:endParaRPr lang="en-GB" dirty="0"/>
+          </a:p>
+        </p:txBody>
+      </p:sp>
+      <p:sp>
+        <p:nvSpPr>
+          <p:cNvPr id="5" name="Footer Placeholder 4">
             <a:extLst>
               <a:ext uri="{FF2B5EF4-FFF2-40B4-BE49-F238E27FC236}">
-                <a16:creationId xmlns:a16="http://schemas.microsoft.com/office/drawing/2014/main" id="{E89CD802-A9B2-44A4-9B05-521831710354}"/>
+                <a16:creationId xmlns:a16="http://schemas.microsoft.com/office/drawing/2014/main" xmlns="" id="{A2B3A699-F20F-43DD-A646-DF2CFAACD8E2}"/>
               </a:ext>
             </a:extLst>
           </p:cNvPr>
@@ -5291,35 +5183,6 @@
             <a:spLocks noGrp="1"/>
           </p:cNvSpPr>
           <p:nvPr>
-            <p:ph type="dt" sz="half" idx="10"/>
-          </p:nvPr>
-        </p:nvSpPr>
-        <p:spPr/>
-        <p:txBody>
-          <a:bodyPr/>
-          <a:lstStyle/>
-          <a:p>
-            <a:r>
-              <a:rPr lang="en-US"/>
-              <a:t>A.Y. 2017/18</a:t>
-            </a:r>
-            <a:endParaRPr lang="en-GB" dirty="0"/>
-          </a:p>
-        </p:txBody>
-      </p:sp>
-      <p:sp>
-        <p:nvSpPr>
-          <p:cNvPr id="5" name="Footer Placeholder 4">
-            <a:extLst>
-              <a:ext uri="{FF2B5EF4-FFF2-40B4-BE49-F238E27FC236}">
-                <a16:creationId xmlns:a16="http://schemas.microsoft.com/office/drawing/2014/main" id="{A2B3A699-F20F-43DD-A646-DF2CFAACD8E2}"/>
-              </a:ext>
-            </a:extLst>
-          </p:cNvPr>
-          <p:cNvSpPr>
-            <a:spLocks noGrp="1"/>
-          </p:cNvSpPr>
-          <p:nvPr>
             <p:ph type="ftr" sz="quarter" idx="11"/>
           </p:nvPr>
         </p:nvSpPr>
@@ -5341,7 +5204,7 @@
           <p:cNvPr id="6" name="Slide Number Placeholder 5">
             <a:extLst>
               <a:ext uri="{FF2B5EF4-FFF2-40B4-BE49-F238E27FC236}">
-                <a16:creationId xmlns:a16="http://schemas.microsoft.com/office/drawing/2014/main" id="{600BC6BB-F68A-4021-994A-3985D0B8C07C}"/>
+                <a16:creationId xmlns:a16="http://schemas.microsoft.com/office/drawing/2014/main" xmlns="" id="{600BC6BB-F68A-4021-994A-3985D0B8C07C}"/>
               </a:ext>
             </a:extLst>
           </p:cNvPr>
@@ -5365,16 +5228,60 @@
           </a:p>
         </p:txBody>
       </p:sp>
+      <p:pic>
+        <p:nvPicPr>
+          <p:cNvPr id="7" name="Picture 6"/>
+          <p:cNvPicPr>
+            <a:picLocks noChangeAspect="1"/>
+          </p:cNvPicPr>
+          <p:nvPr/>
+        </p:nvPicPr>
+        <p:blipFill>
+          <a:blip r:embed="rId2" cstate="print">
+            <a:duotone>
+              <a:prstClr val="black"/>
+              <a:schemeClr val="tx2">
+                <a:tint val="45000"/>
+                <a:satMod val="400000"/>
+              </a:schemeClr>
+            </a:duotone>
+            <a:extLst>
+              <a:ext uri="{28A0092B-C50C-407E-A947-70E740481C1C}">
+                <a14:useLocalDpi xmlns:a14="http://schemas.microsoft.com/office/drawing/2010/main" val="0"/>
+              </a:ext>
+            </a:extLst>
+          </a:blip>
+          <a:stretch>
+            <a:fillRect/>
+          </a:stretch>
+        </p:blipFill>
+        <p:spPr>
+          <a:xfrm>
+            <a:off x="1162852" y="2914585"/>
+            <a:ext cx="6864016" cy="2327033"/>
+          </a:xfrm>
+          <a:prstGeom prst="rect">
+            <a:avLst/>
+          </a:prstGeom>
+        </p:spPr>
+      </p:pic>
     </p:spTree>
     <p:extLst>
       <p:ext uri="{BB962C8B-B14F-4D97-AF65-F5344CB8AC3E}">
-        <p14:creationId xmlns:p14="http://schemas.microsoft.com/office/powerpoint/2010/main" val="3421952654"/>
+        <p14:creationId xmlns:p14="http://schemas.microsoft.com/office/powerpoint/2010/main" val="2562008964"/>
       </p:ext>
     </p:extLst>
   </p:cSld>
   <p:clrMapOvr>
     <a:masterClrMapping/>
   </p:clrMapOvr>
+  <p:timing>
+    <p:tnLst>
+      <p:par>
+        <p:cTn id="1" dur="indefinite" restart="never" nodeType="tmRoot"/>
+      </p:par>
+    </p:tnLst>
+  </p:timing>
 </p:sld>
 </file>
 
@@ -5400,7 +5307,7 @@
           <p:cNvPr id="2" name="Title 1">
             <a:extLst>
               <a:ext uri="{FF2B5EF4-FFF2-40B4-BE49-F238E27FC236}">
-                <a16:creationId xmlns:a16="http://schemas.microsoft.com/office/drawing/2014/main" id="{E34F0580-A203-4A19-A1EA-D994C7756136}"/>
+                <a16:creationId xmlns:a16="http://schemas.microsoft.com/office/drawing/2014/main" xmlns="" id="{8E13A3F7-DEA5-4422-8558-68CCCB4DDBA5}"/>
               </a:ext>
             </a:extLst>
           </p:cNvPr>
@@ -5408,7 +5315,7 @@
             <a:spLocks noGrp="1"/>
           </p:cNvSpPr>
           <p:nvPr>
-            <p:ph type="title"/>
+            <p:ph type="ctrTitle"/>
           </p:nvPr>
         </p:nvSpPr>
         <p:spPr/>
@@ -5417,47 +5324,19 @@
           <a:lstStyle/>
           <a:p>
             <a:r>
-              <a:rPr lang="it-IT" dirty="0"/>
-              <a:t>Wireframes and First Look</a:t>
-            </a:r>
-          </a:p>
-        </p:txBody>
-      </p:sp>
-      <p:pic>
-        <p:nvPicPr>
-          <p:cNvPr id="10" name="Content Placeholder 9"/>
-          <p:cNvPicPr>
-            <a:picLocks noGrp="1" noChangeAspect="1"/>
-          </p:cNvPicPr>
-          <p:nvPr>
-            <p:ph idx="1"/>
-          </p:nvPr>
-        </p:nvPicPr>
-        <p:blipFill>
-          <a:blip r:embed="rId2" cstate="print">
-            <a:extLst>
-              <a:ext uri="{28A0092B-C50C-407E-A947-70E740481C1C}">
-                <a14:useLocalDpi xmlns:a14="http://schemas.microsoft.com/office/drawing/2010/main" val="0"/>
-              </a:ext>
-            </a:extLst>
-          </a:blip>
-          <a:stretch>
-            <a:fillRect/>
-          </a:stretch>
-        </p:blipFill>
-        <p:spPr>
-          <a:xfrm>
-            <a:off x="1527660" y="2001804"/>
-            <a:ext cx="5897684" cy="3885122"/>
-          </a:xfrm>
-        </p:spPr>
-      </p:pic>
+              <a:rPr lang="it-IT" dirty="0" smtClean="0"/>
+              <a:t>Thank you for your attention</a:t>
+            </a:r>
+            <a:endParaRPr lang="en-GB" dirty="0"/>
+          </a:p>
+        </p:txBody>
+      </p:sp>
       <p:sp>
         <p:nvSpPr>
           <p:cNvPr id="4" name="Date Placeholder 3">
             <a:extLst>
               <a:ext uri="{FF2B5EF4-FFF2-40B4-BE49-F238E27FC236}">
-                <a16:creationId xmlns:a16="http://schemas.microsoft.com/office/drawing/2014/main" id="{E89CD802-A9B2-44A4-9B05-521831710354}"/>
+                <a16:creationId xmlns:a16="http://schemas.microsoft.com/office/drawing/2014/main" xmlns="" id="{81FDD2C4-0427-4096-A8D4-C3582059EA53}"/>
               </a:ext>
             </a:extLst>
           </p:cNvPr>
@@ -5477,7 +5356,7 @@
               <a:rPr lang="en-US"/>
               <a:t>A.Y. 2017/18</a:t>
             </a:r>
-            <a:endParaRPr lang="en-GB" dirty="0"/>
+            <a:endParaRPr lang="en-GB"/>
           </a:p>
         </p:txBody>
       </p:sp>
@@ -5486,7 +5365,7 @@
           <p:cNvPr id="5" name="Footer Placeholder 4">
             <a:extLst>
               <a:ext uri="{FF2B5EF4-FFF2-40B4-BE49-F238E27FC236}">
-                <a16:creationId xmlns:a16="http://schemas.microsoft.com/office/drawing/2014/main" id="{A2B3A699-F20F-43DD-A646-DF2CFAACD8E2}"/>
+                <a16:creationId xmlns:a16="http://schemas.microsoft.com/office/drawing/2014/main" xmlns="" id="{0339F8C2-760A-470D-9C24-4B488FA39B09}"/>
               </a:ext>
             </a:extLst>
           </p:cNvPr>
@@ -5503,10 +5382,9 @@
           <a:lstStyle/>
           <a:p>
             <a:r>
-              <a:rPr lang="it-IT"/>
+              <a:rPr lang="en-GB"/>
               <a:t>IMS – A6</a:t>
             </a:r>
-            <a:endParaRPr lang="en-GB" dirty="0"/>
           </a:p>
         </p:txBody>
       </p:sp>
@@ -5515,7 +5393,7 @@
           <p:cNvPr id="6" name="Slide Number Placeholder 5">
             <a:extLst>
               <a:ext uri="{FF2B5EF4-FFF2-40B4-BE49-F238E27FC236}">
-                <a16:creationId xmlns:a16="http://schemas.microsoft.com/office/drawing/2014/main" id="{600BC6BB-F68A-4021-994A-3985D0B8C07C}"/>
+                <a16:creationId xmlns:a16="http://schemas.microsoft.com/office/drawing/2014/main" xmlns="" id="{D0A895D0-D134-4047-9611-2A8B9DE2E512}"/>
               </a:ext>
             </a:extLst>
           </p:cNvPr>
@@ -5535,800 +5413,27 @@
               <a:rPr lang="en-GB" smtClean="0"/>
               <a:t>5</a:t>
             </a:fld>
-            <a:endParaRPr lang="en-GB" dirty="0"/>
+            <a:endParaRPr lang="en-GB"/>
           </a:p>
         </p:txBody>
       </p:sp>
     </p:spTree>
     <p:extLst>
       <p:ext uri="{BB962C8B-B14F-4D97-AF65-F5344CB8AC3E}">
-        <p14:creationId xmlns:p14="http://schemas.microsoft.com/office/powerpoint/2010/main" val="1263449010"/>
+        <p14:creationId xmlns:p14="http://schemas.microsoft.com/office/powerpoint/2010/main" val="2750131255"/>
       </p:ext>
     </p:extLst>
   </p:cSld>
   <p:clrMapOvr>
     <a:masterClrMapping/>
   </p:clrMapOvr>
-</p:sld>
-</file>
-
-<file path=ppt/slides/slide6.xml><?xml version="1.0" encoding="utf-8"?>
-<p:sld xmlns:a="http://schemas.openxmlformats.org/drawingml/2006/main" xmlns:r="http://schemas.openxmlformats.org/officeDocument/2006/relationships" xmlns:p="http://schemas.openxmlformats.org/presentationml/2006/main">
-  <p:cSld>
-    <p:spTree>
-      <p:nvGrpSpPr>
-        <p:cNvPr id="1" name=""/>
-        <p:cNvGrpSpPr/>
-        <p:nvPr/>
-      </p:nvGrpSpPr>
-      <p:grpSpPr>
-        <a:xfrm>
-          <a:off x="0" y="0"/>
-          <a:ext cx="0" cy="0"/>
-          <a:chOff x="0" y="0"/>
-          <a:chExt cx="0" cy="0"/>
-        </a:xfrm>
-      </p:grpSpPr>
-      <p:sp>
-        <p:nvSpPr>
-          <p:cNvPr id="2" name="Title 1">
-            <a:extLst>
-              <a:ext uri="{FF2B5EF4-FFF2-40B4-BE49-F238E27FC236}">
-                <a16:creationId xmlns:a16="http://schemas.microsoft.com/office/drawing/2014/main" id="{E34F0580-A203-4A19-A1EA-D994C7756136}"/>
-              </a:ext>
-            </a:extLst>
-          </p:cNvPr>
-          <p:cNvSpPr>
-            <a:spLocks noGrp="1"/>
-          </p:cNvSpPr>
-          <p:nvPr>
-            <p:ph type="title"/>
-          </p:nvPr>
-        </p:nvSpPr>
-        <p:spPr/>
-        <p:txBody>
-          <a:bodyPr/>
-          <a:lstStyle/>
-          <a:p>
-            <a:r>
-              <a:rPr lang="it-IT" dirty="0"/>
-              <a:t>Wireframes and First Look</a:t>
-            </a:r>
-          </a:p>
-        </p:txBody>
-      </p:sp>
-      <p:sp>
-        <p:nvSpPr>
-          <p:cNvPr id="4" name="Date Placeholder 3">
-            <a:extLst>
-              <a:ext uri="{FF2B5EF4-FFF2-40B4-BE49-F238E27FC236}">
-                <a16:creationId xmlns:a16="http://schemas.microsoft.com/office/drawing/2014/main" id="{E89CD802-A9B2-44A4-9B05-521831710354}"/>
-              </a:ext>
-            </a:extLst>
-          </p:cNvPr>
-          <p:cNvSpPr>
-            <a:spLocks noGrp="1"/>
-          </p:cNvSpPr>
-          <p:nvPr>
-            <p:ph type="dt" sz="half" idx="10"/>
-          </p:nvPr>
-        </p:nvSpPr>
-        <p:spPr/>
-        <p:txBody>
-          <a:bodyPr/>
-          <a:lstStyle/>
-          <a:p>
-            <a:r>
-              <a:rPr lang="en-US"/>
-              <a:t>A.Y. 2017/18</a:t>
-            </a:r>
-            <a:endParaRPr lang="en-GB" dirty="0"/>
-          </a:p>
-        </p:txBody>
-      </p:sp>
-      <p:sp>
-        <p:nvSpPr>
-          <p:cNvPr id="5" name="Footer Placeholder 4">
-            <a:extLst>
-              <a:ext uri="{FF2B5EF4-FFF2-40B4-BE49-F238E27FC236}">
-                <a16:creationId xmlns:a16="http://schemas.microsoft.com/office/drawing/2014/main" id="{A2B3A699-F20F-43DD-A646-DF2CFAACD8E2}"/>
-              </a:ext>
-            </a:extLst>
-          </p:cNvPr>
-          <p:cNvSpPr>
-            <a:spLocks noGrp="1"/>
-          </p:cNvSpPr>
-          <p:nvPr>
-            <p:ph type="ftr" sz="quarter" idx="11"/>
-          </p:nvPr>
-        </p:nvSpPr>
-        <p:spPr/>
-        <p:txBody>
-          <a:bodyPr/>
-          <a:lstStyle/>
-          <a:p>
-            <a:r>
-              <a:rPr lang="it-IT"/>
-              <a:t>IMS – A6</a:t>
-            </a:r>
-            <a:endParaRPr lang="en-GB" dirty="0"/>
-          </a:p>
-        </p:txBody>
-      </p:sp>
-      <p:sp>
-        <p:nvSpPr>
-          <p:cNvPr id="6" name="Slide Number Placeholder 5">
-            <a:extLst>
-              <a:ext uri="{FF2B5EF4-FFF2-40B4-BE49-F238E27FC236}">
-                <a16:creationId xmlns:a16="http://schemas.microsoft.com/office/drawing/2014/main" id="{600BC6BB-F68A-4021-994A-3985D0B8C07C}"/>
-              </a:ext>
-            </a:extLst>
-          </p:cNvPr>
-          <p:cNvSpPr>
-            <a:spLocks noGrp="1"/>
-          </p:cNvSpPr>
-          <p:nvPr>
-            <p:ph type="sldNum" sz="quarter" idx="12"/>
-          </p:nvPr>
-        </p:nvSpPr>
-        <p:spPr/>
-        <p:txBody>
-          <a:bodyPr/>
-          <a:lstStyle/>
-          <a:p>
-            <a:fld id="{E63C5663-C309-400D-BD5F-8327758EFEBB}" type="slidenum">
-              <a:rPr lang="en-GB" smtClean="0"/>
-              <a:t>6</a:t>
-            </a:fld>
-            <a:endParaRPr lang="en-GB" dirty="0"/>
-          </a:p>
-        </p:txBody>
-      </p:sp>
-      <p:pic>
-        <p:nvPicPr>
-          <p:cNvPr id="7" name="Content Placeholder 6"/>
-          <p:cNvPicPr>
-            <a:picLocks noGrp="1" noChangeAspect="1"/>
-          </p:cNvPicPr>
-          <p:nvPr>
-            <p:ph idx="1"/>
-          </p:nvPr>
-        </p:nvPicPr>
-        <p:blipFill>
-          <a:blip r:embed="rId2">
-            <a:extLst>
-              <a:ext uri="{28A0092B-C50C-407E-A947-70E740481C1C}">
-                <a14:useLocalDpi xmlns:a14="http://schemas.microsoft.com/office/drawing/2010/main" val="0"/>
-              </a:ext>
-            </a:extLst>
-          </a:blip>
-          <a:stretch>
-            <a:fillRect/>
-          </a:stretch>
-        </p:blipFill>
-        <p:spPr>
-          <a:xfrm>
-            <a:off x="1294028" y="1846263"/>
-            <a:ext cx="6600393" cy="4022725"/>
-          </a:xfrm>
-        </p:spPr>
-      </p:pic>
-    </p:spTree>
-    <p:extLst>
-      <p:ext uri="{BB962C8B-B14F-4D97-AF65-F5344CB8AC3E}">
-        <p14:creationId xmlns:p14="http://schemas.microsoft.com/office/powerpoint/2010/main" val="799240206"/>
-      </p:ext>
-    </p:extLst>
-  </p:cSld>
-  <p:clrMapOvr>
-    <a:masterClrMapping/>
-  </p:clrMapOvr>
-</p:sld>
-</file>
-
-<file path=ppt/slides/slide7.xml><?xml version="1.0" encoding="utf-8"?>
-<p:sld xmlns:a="http://schemas.openxmlformats.org/drawingml/2006/main" xmlns:r="http://schemas.openxmlformats.org/officeDocument/2006/relationships" xmlns:p="http://schemas.openxmlformats.org/presentationml/2006/main">
-  <p:cSld>
-    <p:spTree>
-      <p:nvGrpSpPr>
-        <p:cNvPr id="1" name=""/>
-        <p:cNvGrpSpPr/>
-        <p:nvPr/>
-      </p:nvGrpSpPr>
-      <p:grpSpPr>
-        <a:xfrm>
-          <a:off x="0" y="0"/>
-          <a:ext cx="0" cy="0"/>
-          <a:chOff x="0" y="0"/>
-          <a:chExt cx="0" cy="0"/>
-        </a:xfrm>
-      </p:grpSpPr>
-      <p:sp>
-        <p:nvSpPr>
-          <p:cNvPr id="2" name="Title 1">
-            <a:extLst>
-              <a:ext uri="{FF2B5EF4-FFF2-40B4-BE49-F238E27FC236}">
-                <a16:creationId xmlns:a16="http://schemas.microsoft.com/office/drawing/2014/main" id="{E34F0580-A203-4A19-A1EA-D994C7756136}"/>
-              </a:ext>
-            </a:extLst>
-          </p:cNvPr>
-          <p:cNvSpPr>
-            <a:spLocks noGrp="1"/>
-          </p:cNvSpPr>
-          <p:nvPr>
-            <p:ph type="title"/>
-          </p:nvPr>
-        </p:nvSpPr>
-        <p:spPr/>
-        <p:txBody>
-          <a:bodyPr/>
-          <a:lstStyle/>
-          <a:p>
-            <a:r>
-              <a:rPr lang="it-IT" dirty="0"/>
-              <a:t>Wireframes and First Look</a:t>
-            </a:r>
-          </a:p>
-        </p:txBody>
-      </p:sp>
-      <p:sp>
-        <p:nvSpPr>
-          <p:cNvPr id="4" name="Date Placeholder 3">
-            <a:extLst>
-              <a:ext uri="{FF2B5EF4-FFF2-40B4-BE49-F238E27FC236}">
-                <a16:creationId xmlns:a16="http://schemas.microsoft.com/office/drawing/2014/main" id="{E89CD802-A9B2-44A4-9B05-521831710354}"/>
-              </a:ext>
-            </a:extLst>
-          </p:cNvPr>
-          <p:cNvSpPr>
-            <a:spLocks noGrp="1"/>
-          </p:cNvSpPr>
-          <p:nvPr>
-            <p:ph type="dt" sz="half" idx="10"/>
-          </p:nvPr>
-        </p:nvSpPr>
-        <p:spPr/>
-        <p:txBody>
-          <a:bodyPr/>
-          <a:lstStyle/>
-          <a:p>
-            <a:r>
-              <a:rPr lang="en-US"/>
-              <a:t>A.Y. 2017/18</a:t>
-            </a:r>
-            <a:endParaRPr lang="en-GB" dirty="0"/>
-          </a:p>
-        </p:txBody>
-      </p:sp>
-      <p:sp>
-        <p:nvSpPr>
-          <p:cNvPr id="5" name="Footer Placeholder 4">
-            <a:extLst>
-              <a:ext uri="{FF2B5EF4-FFF2-40B4-BE49-F238E27FC236}">
-                <a16:creationId xmlns:a16="http://schemas.microsoft.com/office/drawing/2014/main" id="{A2B3A699-F20F-43DD-A646-DF2CFAACD8E2}"/>
-              </a:ext>
-            </a:extLst>
-          </p:cNvPr>
-          <p:cNvSpPr>
-            <a:spLocks noGrp="1"/>
-          </p:cNvSpPr>
-          <p:nvPr>
-            <p:ph type="ftr" sz="quarter" idx="11"/>
-          </p:nvPr>
-        </p:nvSpPr>
-        <p:spPr/>
-        <p:txBody>
-          <a:bodyPr/>
-          <a:lstStyle/>
-          <a:p>
-            <a:r>
-              <a:rPr lang="it-IT"/>
-              <a:t>IMS – A6</a:t>
-            </a:r>
-            <a:endParaRPr lang="en-GB" dirty="0"/>
-          </a:p>
-        </p:txBody>
-      </p:sp>
-      <p:sp>
-        <p:nvSpPr>
-          <p:cNvPr id="6" name="Slide Number Placeholder 5">
-            <a:extLst>
-              <a:ext uri="{FF2B5EF4-FFF2-40B4-BE49-F238E27FC236}">
-                <a16:creationId xmlns:a16="http://schemas.microsoft.com/office/drawing/2014/main" id="{600BC6BB-F68A-4021-994A-3985D0B8C07C}"/>
-              </a:ext>
-            </a:extLst>
-          </p:cNvPr>
-          <p:cNvSpPr>
-            <a:spLocks noGrp="1"/>
-          </p:cNvSpPr>
-          <p:nvPr>
-            <p:ph type="sldNum" sz="quarter" idx="12"/>
-          </p:nvPr>
-        </p:nvSpPr>
-        <p:spPr/>
-        <p:txBody>
-          <a:bodyPr/>
-          <a:lstStyle/>
-          <a:p>
-            <a:fld id="{E63C5663-C309-400D-BD5F-8327758EFEBB}" type="slidenum">
-              <a:rPr lang="en-GB" smtClean="0"/>
-              <a:t>7</a:t>
-            </a:fld>
-            <a:endParaRPr lang="en-GB" dirty="0"/>
-          </a:p>
-        </p:txBody>
-      </p:sp>
-      <p:pic>
-        <p:nvPicPr>
-          <p:cNvPr id="9" name="Content Placeholder 8"/>
-          <p:cNvPicPr>
-            <a:picLocks noGrp="1" noChangeAspect="1"/>
-          </p:cNvPicPr>
-          <p:nvPr>
-            <p:ph idx="1"/>
-          </p:nvPr>
-        </p:nvPicPr>
-        <p:blipFill>
-          <a:blip r:embed="rId2">
-            <a:extLst>
-              <a:ext uri="{28A0092B-C50C-407E-A947-70E740481C1C}">
-                <a14:useLocalDpi xmlns:a14="http://schemas.microsoft.com/office/drawing/2010/main" val="0"/>
-              </a:ext>
-            </a:extLst>
-          </a:blip>
-          <a:stretch>
-            <a:fillRect/>
-          </a:stretch>
-        </p:blipFill>
-        <p:spPr>
-          <a:xfrm>
-            <a:off x="822325" y="2022872"/>
-            <a:ext cx="7543800" cy="3669507"/>
-          </a:xfrm>
-        </p:spPr>
-      </p:pic>
-    </p:spTree>
-    <p:extLst>
-      <p:ext uri="{BB962C8B-B14F-4D97-AF65-F5344CB8AC3E}">
-        <p14:creationId xmlns:p14="http://schemas.microsoft.com/office/powerpoint/2010/main" val="2188423710"/>
-      </p:ext>
-    </p:extLst>
-  </p:cSld>
-  <p:clrMapOvr>
-    <a:masterClrMapping/>
-  </p:clrMapOvr>
-</p:sld>
-</file>
-
-<file path=ppt/slides/slide8.xml><?xml version="1.0" encoding="utf-8"?>
-<p:sld xmlns:a="http://schemas.openxmlformats.org/drawingml/2006/main" xmlns:r="http://schemas.openxmlformats.org/officeDocument/2006/relationships" xmlns:p="http://schemas.openxmlformats.org/presentationml/2006/main">
-  <p:cSld>
-    <p:spTree>
-      <p:nvGrpSpPr>
-        <p:cNvPr id="1" name=""/>
-        <p:cNvGrpSpPr/>
-        <p:nvPr/>
-      </p:nvGrpSpPr>
-      <p:grpSpPr>
-        <a:xfrm>
-          <a:off x="0" y="0"/>
-          <a:ext cx="0" cy="0"/>
-          <a:chOff x="0" y="0"/>
-          <a:chExt cx="0" cy="0"/>
-        </a:xfrm>
-      </p:grpSpPr>
-      <p:sp>
-        <p:nvSpPr>
-          <p:cNvPr id="2" name="Title 1">
-            <a:extLst>
-              <a:ext uri="{FF2B5EF4-FFF2-40B4-BE49-F238E27FC236}">
-                <a16:creationId xmlns:a16="http://schemas.microsoft.com/office/drawing/2014/main" id="{E34F0580-A203-4A19-A1EA-D994C7756136}"/>
-              </a:ext>
-            </a:extLst>
-          </p:cNvPr>
-          <p:cNvSpPr>
-            <a:spLocks noGrp="1"/>
-          </p:cNvSpPr>
-          <p:nvPr>
-            <p:ph type="title"/>
-          </p:nvPr>
-        </p:nvSpPr>
-        <p:spPr/>
-        <p:txBody>
-          <a:bodyPr/>
-          <a:lstStyle/>
-          <a:p>
-            <a:r>
-              <a:rPr lang="it-IT" dirty="0"/>
-              <a:t>Mobile Version</a:t>
-            </a:r>
-          </a:p>
-        </p:txBody>
-      </p:sp>
-      <p:sp>
-        <p:nvSpPr>
-          <p:cNvPr id="4" name="Date Placeholder 3">
-            <a:extLst>
-              <a:ext uri="{FF2B5EF4-FFF2-40B4-BE49-F238E27FC236}">
-                <a16:creationId xmlns:a16="http://schemas.microsoft.com/office/drawing/2014/main" id="{E89CD802-A9B2-44A4-9B05-521831710354}"/>
-              </a:ext>
-            </a:extLst>
-          </p:cNvPr>
-          <p:cNvSpPr>
-            <a:spLocks noGrp="1"/>
-          </p:cNvSpPr>
-          <p:nvPr>
-            <p:ph type="dt" sz="half" idx="10"/>
-          </p:nvPr>
-        </p:nvSpPr>
-        <p:spPr/>
-        <p:txBody>
-          <a:bodyPr/>
-          <a:lstStyle/>
-          <a:p>
-            <a:r>
-              <a:rPr lang="en-US"/>
-              <a:t>A.Y. 2017/18</a:t>
-            </a:r>
-            <a:endParaRPr lang="en-GB" dirty="0"/>
-          </a:p>
-        </p:txBody>
-      </p:sp>
-      <p:sp>
-        <p:nvSpPr>
-          <p:cNvPr id="5" name="Footer Placeholder 4">
-            <a:extLst>
-              <a:ext uri="{FF2B5EF4-FFF2-40B4-BE49-F238E27FC236}">
-                <a16:creationId xmlns:a16="http://schemas.microsoft.com/office/drawing/2014/main" id="{A2B3A699-F20F-43DD-A646-DF2CFAACD8E2}"/>
-              </a:ext>
-            </a:extLst>
-          </p:cNvPr>
-          <p:cNvSpPr>
-            <a:spLocks noGrp="1"/>
-          </p:cNvSpPr>
-          <p:nvPr>
-            <p:ph type="ftr" sz="quarter" idx="11"/>
-          </p:nvPr>
-        </p:nvSpPr>
-        <p:spPr/>
-        <p:txBody>
-          <a:bodyPr/>
-          <a:lstStyle/>
-          <a:p>
-            <a:r>
-              <a:rPr lang="it-IT"/>
-              <a:t>IMS – A6</a:t>
-            </a:r>
-            <a:endParaRPr lang="en-GB" dirty="0"/>
-          </a:p>
-        </p:txBody>
-      </p:sp>
-      <p:sp>
-        <p:nvSpPr>
-          <p:cNvPr id="6" name="Slide Number Placeholder 5">
-            <a:extLst>
-              <a:ext uri="{FF2B5EF4-FFF2-40B4-BE49-F238E27FC236}">
-                <a16:creationId xmlns:a16="http://schemas.microsoft.com/office/drawing/2014/main" id="{600BC6BB-F68A-4021-994A-3985D0B8C07C}"/>
-              </a:ext>
-            </a:extLst>
-          </p:cNvPr>
-          <p:cNvSpPr>
-            <a:spLocks noGrp="1"/>
-          </p:cNvSpPr>
-          <p:nvPr>
-            <p:ph type="sldNum" sz="quarter" idx="12"/>
-          </p:nvPr>
-        </p:nvSpPr>
-        <p:spPr/>
-        <p:txBody>
-          <a:bodyPr/>
-          <a:lstStyle/>
-          <a:p>
-            <a:fld id="{E63C5663-C309-400D-BD5F-8327758EFEBB}" type="slidenum">
-              <a:rPr lang="en-GB" smtClean="0"/>
-              <a:t>8</a:t>
-            </a:fld>
-            <a:endParaRPr lang="en-GB" dirty="0"/>
-          </a:p>
-        </p:txBody>
-      </p:sp>
-      <p:pic>
-        <p:nvPicPr>
-          <p:cNvPr id="10" name="Content Placeholder 9">
-            <a:extLst>
-              <a:ext uri="{FF2B5EF4-FFF2-40B4-BE49-F238E27FC236}">
-                <a16:creationId xmlns:a16="http://schemas.microsoft.com/office/drawing/2014/main" id="{9E233749-7E6C-4ACD-8C23-B4C52D1BB8FB}"/>
-              </a:ext>
-            </a:extLst>
-          </p:cNvPr>
-          <p:cNvPicPr>
-            <a:picLocks noGrp="1" noChangeAspect="1"/>
-          </p:cNvPicPr>
-          <p:nvPr>
-            <p:ph idx="1"/>
-          </p:nvPr>
-        </p:nvPicPr>
-        <p:blipFill>
-          <a:blip r:embed="rId2">
-            <a:extLst>
-              <a:ext uri="{28A0092B-C50C-407E-A947-70E740481C1C}">
-                <a14:useLocalDpi xmlns:a14="http://schemas.microsoft.com/office/drawing/2010/main" val="0"/>
-              </a:ext>
-            </a:extLst>
-          </a:blip>
-          <a:stretch>
-            <a:fillRect/>
-          </a:stretch>
-        </p:blipFill>
-        <p:spPr>
-          <a:xfrm>
-            <a:off x="1217243" y="1909438"/>
-            <a:ext cx="2105924" cy="4413423"/>
-          </a:xfrm>
-        </p:spPr>
-      </p:pic>
-      <p:pic>
-        <p:nvPicPr>
-          <p:cNvPr id="12" name="Picture 11">
-            <a:extLst>
-              <a:ext uri="{FF2B5EF4-FFF2-40B4-BE49-F238E27FC236}">
-                <a16:creationId xmlns:a16="http://schemas.microsoft.com/office/drawing/2014/main" id="{FAA250B4-720B-4258-82AC-408086EEAF6E}"/>
-              </a:ext>
-            </a:extLst>
-          </p:cNvPr>
-          <p:cNvPicPr>
-            <a:picLocks noChangeAspect="1"/>
-          </p:cNvPicPr>
-          <p:nvPr/>
-        </p:nvPicPr>
-        <p:blipFill>
-          <a:blip r:embed="rId3">
-            <a:extLst>
-              <a:ext uri="{28A0092B-C50C-407E-A947-70E740481C1C}">
-                <a14:useLocalDpi xmlns:a14="http://schemas.microsoft.com/office/drawing/2010/main" val="0"/>
-              </a:ext>
-            </a:extLst>
-          </a:blip>
-          <a:stretch>
-            <a:fillRect/>
-          </a:stretch>
-        </p:blipFill>
-        <p:spPr>
-          <a:xfrm>
-            <a:off x="5418648" y="1910153"/>
-            <a:ext cx="2006696" cy="4412708"/>
-          </a:xfrm>
-          <a:prstGeom prst="rect">
-            <a:avLst/>
-          </a:prstGeom>
-        </p:spPr>
-      </p:pic>
-    </p:spTree>
-    <p:extLst>
-      <p:ext uri="{BB962C8B-B14F-4D97-AF65-F5344CB8AC3E}">
-        <p14:creationId xmlns:p14="http://schemas.microsoft.com/office/powerpoint/2010/main" val="2697027552"/>
-      </p:ext>
-    </p:extLst>
-  </p:cSld>
-  <p:clrMapOvr>
-    <a:masterClrMapping/>
-  </p:clrMapOvr>
-</p:sld>
-</file>
-
-<file path=ppt/slides/slide9.xml><?xml version="1.0" encoding="utf-8"?>
-<p:sld xmlns:a="http://schemas.openxmlformats.org/drawingml/2006/main" xmlns:r="http://schemas.openxmlformats.org/officeDocument/2006/relationships" xmlns:p="http://schemas.openxmlformats.org/presentationml/2006/main">
-  <p:cSld>
-    <p:spTree>
-      <p:nvGrpSpPr>
-        <p:cNvPr id="1" name=""/>
-        <p:cNvGrpSpPr/>
-        <p:nvPr/>
-      </p:nvGrpSpPr>
-      <p:grpSpPr>
-        <a:xfrm>
-          <a:off x="0" y="0"/>
-          <a:ext cx="0" cy="0"/>
-          <a:chOff x="0" y="0"/>
-          <a:chExt cx="0" cy="0"/>
-        </a:xfrm>
-      </p:grpSpPr>
-      <p:sp>
-        <p:nvSpPr>
-          <p:cNvPr id="2" name="Title 1">
-            <a:extLst>
-              <a:ext uri="{FF2B5EF4-FFF2-40B4-BE49-F238E27FC236}">
-                <a16:creationId xmlns:a16="http://schemas.microsoft.com/office/drawing/2014/main" id="{E34F0580-A203-4A19-A1EA-D994C7756136}"/>
-              </a:ext>
-            </a:extLst>
-          </p:cNvPr>
-          <p:cNvSpPr>
-            <a:spLocks noGrp="1"/>
-          </p:cNvSpPr>
-          <p:nvPr>
-            <p:ph type="title"/>
-          </p:nvPr>
-        </p:nvSpPr>
-        <p:spPr/>
-        <p:txBody>
-          <a:bodyPr/>
-          <a:lstStyle/>
-          <a:p>
-            <a:r>
-              <a:rPr lang="it-IT" dirty="0"/>
-              <a:t>Mobile Version</a:t>
-            </a:r>
-          </a:p>
-        </p:txBody>
-      </p:sp>
-      <p:sp>
-        <p:nvSpPr>
-          <p:cNvPr id="4" name="Date Placeholder 3">
-            <a:extLst>
-              <a:ext uri="{FF2B5EF4-FFF2-40B4-BE49-F238E27FC236}">
-                <a16:creationId xmlns:a16="http://schemas.microsoft.com/office/drawing/2014/main" id="{E89CD802-A9B2-44A4-9B05-521831710354}"/>
-              </a:ext>
-            </a:extLst>
-          </p:cNvPr>
-          <p:cNvSpPr>
-            <a:spLocks noGrp="1"/>
-          </p:cNvSpPr>
-          <p:nvPr>
-            <p:ph type="dt" sz="half" idx="10"/>
-          </p:nvPr>
-        </p:nvSpPr>
-        <p:spPr/>
-        <p:txBody>
-          <a:bodyPr/>
-          <a:lstStyle/>
-          <a:p>
-            <a:r>
-              <a:rPr lang="en-US"/>
-              <a:t>A.Y. 2017/18</a:t>
-            </a:r>
-            <a:endParaRPr lang="en-GB" dirty="0"/>
-          </a:p>
-        </p:txBody>
-      </p:sp>
-      <p:sp>
-        <p:nvSpPr>
-          <p:cNvPr id="5" name="Footer Placeholder 4">
-            <a:extLst>
-              <a:ext uri="{FF2B5EF4-FFF2-40B4-BE49-F238E27FC236}">
-                <a16:creationId xmlns:a16="http://schemas.microsoft.com/office/drawing/2014/main" id="{A2B3A699-F20F-43DD-A646-DF2CFAACD8E2}"/>
-              </a:ext>
-            </a:extLst>
-          </p:cNvPr>
-          <p:cNvSpPr>
-            <a:spLocks noGrp="1"/>
-          </p:cNvSpPr>
-          <p:nvPr>
-            <p:ph type="ftr" sz="quarter" idx="11"/>
-          </p:nvPr>
-        </p:nvSpPr>
-        <p:spPr/>
-        <p:txBody>
-          <a:bodyPr/>
-          <a:lstStyle/>
-          <a:p>
-            <a:r>
-              <a:rPr lang="it-IT"/>
-              <a:t>IMS – A6</a:t>
-            </a:r>
-            <a:endParaRPr lang="en-GB" dirty="0"/>
-          </a:p>
-        </p:txBody>
-      </p:sp>
-      <p:sp>
-        <p:nvSpPr>
-          <p:cNvPr id="6" name="Slide Number Placeholder 5">
-            <a:extLst>
-              <a:ext uri="{FF2B5EF4-FFF2-40B4-BE49-F238E27FC236}">
-                <a16:creationId xmlns:a16="http://schemas.microsoft.com/office/drawing/2014/main" id="{600BC6BB-F68A-4021-994A-3985D0B8C07C}"/>
-              </a:ext>
-            </a:extLst>
-          </p:cNvPr>
-          <p:cNvSpPr>
-            <a:spLocks noGrp="1"/>
-          </p:cNvSpPr>
-          <p:nvPr>
-            <p:ph type="sldNum" sz="quarter" idx="12"/>
-          </p:nvPr>
-        </p:nvSpPr>
-        <p:spPr/>
-        <p:txBody>
-          <a:bodyPr/>
-          <a:lstStyle/>
-          <a:p>
-            <a:fld id="{E63C5663-C309-400D-BD5F-8327758EFEBB}" type="slidenum">
-              <a:rPr lang="en-GB" smtClean="0"/>
-              <a:t>9</a:t>
-            </a:fld>
-            <a:endParaRPr lang="en-GB" dirty="0"/>
-          </a:p>
-        </p:txBody>
-      </p:sp>
-      <p:pic>
-        <p:nvPicPr>
-          <p:cNvPr id="9" name="Content Placeholder 8">
-            <a:extLst>
-              <a:ext uri="{FF2B5EF4-FFF2-40B4-BE49-F238E27FC236}">
-                <a16:creationId xmlns:a16="http://schemas.microsoft.com/office/drawing/2014/main" id="{EBE0F493-60E6-4BCF-B6D1-F800342B8628}"/>
-              </a:ext>
-            </a:extLst>
-          </p:cNvPr>
-          <p:cNvPicPr>
-            <a:picLocks noGrp="1" noChangeAspect="1"/>
-          </p:cNvPicPr>
-          <p:nvPr>
-            <p:ph idx="1"/>
-          </p:nvPr>
-        </p:nvPicPr>
-        <p:blipFill>
-          <a:blip r:embed="rId2">
-            <a:extLst>
-              <a:ext uri="{28A0092B-C50C-407E-A947-70E740481C1C}">
-                <a14:useLocalDpi xmlns:a14="http://schemas.microsoft.com/office/drawing/2010/main" val="0"/>
-              </a:ext>
-            </a:extLst>
-          </a:blip>
-          <a:stretch>
-            <a:fillRect/>
-          </a:stretch>
-        </p:blipFill>
-        <p:spPr>
-          <a:xfrm>
-            <a:off x="1381874" y="1874804"/>
-            <a:ext cx="1933712" cy="4447539"/>
-          </a:xfrm>
-        </p:spPr>
-      </p:pic>
-      <p:pic>
-        <p:nvPicPr>
-          <p:cNvPr id="13" name="Picture 12">
-            <a:extLst>
-              <a:ext uri="{FF2B5EF4-FFF2-40B4-BE49-F238E27FC236}">
-                <a16:creationId xmlns:a16="http://schemas.microsoft.com/office/drawing/2014/main" id="{F695C104-C802-4267-A5AF-9706D67E2588}"/>
-              </a:ext>
-            </a:extLst>
-          </p:cNvPr>
-          <p:cNvPicPr>
-            <a:picLocks noChangeAspect="1"/>
-          </p:cNvPicPr>
-          <p:nvPr/>
-        </p:nvPicPr>
-        <p:blipFill>
-          <a:blip r:embed="rId3">
-            <a:extLst>
-              <a:ext uri="{28A0092B-C50C-407E-A947-70E740481C1C}">
-                <a14:useLocalDpi xmlns:a14="http://schemas.microsoft.com/office/drawing/2010/main" val="0"/>
-              </a:ext>
-            </a:extLst>
-          </a:blip>
-          <a:stretch>
-            <a:fillRect/>
-          </a:stretch>
-        </p:blipFill>
-        <p:spPr>
-          <a:xfrm>
-            <a:off x="5379720" y="1874804"/>
-            <a:ext cx="1859280" cy="4426858"/>
-          </a:xfrm>
-          <a:prstGeom prst="rect">
-            <a:avLst/>
-          </a:prstGeom>
-        </p:spPr>
-      </p:pic>
-    </p:spTree>
-    <p:extLst>
-      <p:ext uri="{BB962C8B-B14F-4D97-AF65-F5344CB8AC3E}">
-        <p14:creationId xmlns:p14="http://schemas.microsoft.com/office/powerpoint/2010/main" val="1677988175"/>
-      </p:ext>
-    </p:extLst>
-  </p:cSld>
-  <p:clrMapOvr>
-    <a:masterClrMapping/>
-  </p:clrMapOvr>
+  <p:timing>
+    <p:tnLst>
+      <p:par>
+        <p:cTn id="1" dur="indefinite" restart="never" nodeType="tmRoot"/>
+      </p:par>
+    </p:tnLst>
+  </p:timing>
 </p:sld>
 </file>
 

--- a/Presentations/3. Final presentation/IMS_A_6_Final_Presentation.pptx
+++ b/Presentations/3. Final presentation/IMS_A_6_Final_Presentation.pptx
@@ -14,8 +14,8 @@
     <p:sldId id="256" r:id="rId2"/>
     <p:sldId id="261" r:id="rId3"/>
     <p:sldId id="267" r:id="rId4"/>
-    <p:sldId id="268" r:id="rId5"/>
-    <p:sldId id="266" r:id="rId6"/>
+    <p:sldId id="269" r:id="rId5"/>
+    <p:sldId id="268" r:id="rId6"/>
   </p:sldIdLst>
   <p:sldSz cx="9144000" cy="6858000" type="screen4x3"/>
   <p:notesSz cx="6858000" cy="9144000"/>
@@ -156,7 +156,7 @@
           <p:cNvPr id="2" name="Header Placeholder 1">
             <a:extLst>
               <a:ext uri="{FF2B5EF4-FFF2-40B4-BE49-F238E27FC236}">
-                <a16:creationId xmlns:a16="http://schemas.microsoft.com/office/drawing/2014/main" xmlns="" id="{5DCE3299-BD85-4043-B7FE-74DF3BA199DB}"/>
+                <a16:creationId xmlns:a16="http://schemas.microsoft.com/office/drawing/2014/main" id="{5DCE3299-BD85-4043-B7FE-74DF3BA199DB}"/>
               </a:ext>
             </a:extLst>
           </p:cNvPr>
@@ -193,7 +193,7 @@
           <p:cNvPr id="3" name="Date Placeholder 2">
             <a:extLst>
               <a:ext uri="{FF2B5EF4-FFF2-40B4-BE49-F238E27FC236}">
-                <a16:creationId xmlns:a16="http://schemas.microsoft.com/office/drawing/2014/main" xmlns="" id="{610E86E5-F4D4-46F3-8A0A-AE218C082BC9}"/>
+                <a16:creationId xmlns:a16="http://schemas.microsoft.com/office/drawing/2014/main" id="{610E86E5-F4D4-46F3-8A0A-AE218C082BC9}"/>
               </a:ext>
             </a:extLst>
           </p:cNvPr>
@@ -223,7 +223,7 @@
           <a:p>
             <a:fld id="{A6952B95-06EE-48F9-8CE6-BD72AE48B352}" type="datetimeFigureOut">
               <a:rPr lang="en-GB" smtClean="0"/>
-              <a:t>13/01/2018</a:t>
+              <a:t>16/01/2018</a:t>
             </a:fld>
             <a:endParaRPr lang="en-GB"/>
           </a:p>
@@ -234,7 +234,7 @@
           <p:cNvPr id="4" name="Footer Placeholder 3">
             <a:extLst>
               <a:ext uri="{FF2B5EF4-FFF2-40B4-BE49-F238E27FC236}">
-                <a16:creationId xmlns:a16="http://schemas.microsoft.com/office/drawing/2014/main" xmlns="" id="{1A2E9D3B-CD4B-4D44-8FAA-A4D69584EFA0}"/>
+                <a16:creationId xmlns:a16="http://schemas.microsoft.com/office/drawing/2014/main" id="{1A2E9D3B-CD4B-4D44-8FAA-A4D69584EFA0}"/>
               </a:ext>
             </a:extLst>
           </p:cNvPr>
@@ -271,7 +271,7 @@
           <p:cNvPr id="5" name="Slide Number Placeholder 4">
             <a:extLst>
               <a:ext uri="{FF2B5EF4-FFF2-40B4-BE49-F238E27FC236}">
-                <a16:creationId xmlns:a16="http://schemas.microsoft.com/office/drawing/2014/main" xmlns="" id="{374B4354-1FF3-456D-B9A4-2A30AF222922}"/>
+                <a16:creationId xmlns:a16="http://schemas.microsoft.com/office/drawing/2014/main" id="{374B4354-1FF3-456D-B9A4-2A30AF222922}"/>
               </a:ext>
             </a:extLst>
           </p:cNvPr>
@@ -400,7 +400,7 @@
           <a:p>
             <a:fld id="{5D71F2A7-5F20-42E8-AABF-EC7FFDF3CF26}" type="datetimeFigureOut">
               <a:rPr lang="en-GB" smtClean="0"/>
-              <a:t>13/01/2018</a:t>
+              <a:t>16/01/2018</a:t>
             </a:fld>
             <a:endParaRPr lang="en-GB"/>
           </a:p>
@@ -4421,7 +4421,7 @@
           <p:cNvPr id="2" name="Title 1">
             <a:extLst>
               <a:ext uri="{FF2B5EF4-FFF2-40B4-BE49-F238E27FC236}">
-                <a16:creationId xmlns:a16="http://schemas.microsoft.com/office/drawing/2014/main" xmlns="" id="{FB6883A6-8FC3-4BE1-BB43-A5E0FBE8E04E}"/>
+                <a16:creationId xmlns:a16="http://schemas.microsoft.com/office/drawing/2014/main" id="{FB6883A6-8FC3-4BE1-BB43-A5E0FBE8E04E}"/>
               </a:ext>
             </a:extLst>
           </p:cNvPr>
@@ -4456,7 +4456,7 @@
           <p:cNvPr id="3" name="Subtitle 2">
             <a:extLst>
               <a:ext uri="{FF2B5EF4-FFF2-40B4-BE49-F238E27FC236}">
-                <a16:creationId xmlns:a16="http://schemas.microsoft.com/office/drawing/2014/main" xmlns="" id="{CBCAA603-FC05-4E4B-AD75-940697CD8B7E}"/>
+                <a16:creationId xmlns:a16="http://schemas.microsoft.com/office/drawing/2014/main" id="{CBCAA603-FC05-4E4B-AD75-940697CD8B7E}"/>
               </a:ext>
             </a:extLst>
           </p:cNvPr>
@@ -4481,12 +4481,8 @@
           </a:p>
           <a:p>
             <a:r>
-              <a:rPr lang="it-IT" dirty="0" smtClean="0"/>
-              <a:t>18</a:t>
-            </a:r>
-            <a:r>
-              <a:rPr lang="it-IT" dirty="0" smtClean="0"/>
-              <a:t>/01/2018</a:t>
+              <a:rPr lang="it-IT" dirty="0"/>
+              <a:t>18/01/2018</a:t>
             </a:r>
             <a:endParaRPr lang="en-GB" dirty="0"/>
           </a:p>
@@ -4497,7 +4493,7 @@
           <p:cNvPr id="4" name="Date Placeholder 3">
             <a:extLst>
               <a:ext uri="{FF2B5EF4-FFF2-40B4-BE49-F238E27FC236}">
-                <a16:creationId xmlns:a16="http://schemas.microsoft.com/office/drawing/2014/main" xmlns="" id="{6A452B27-506E-486A-88DD-25DB601BB4CA}"/>
+                <a16:creationId xmlns:a16="http://schemas.microsoft.com/office/drawing/2014/main" id="{6A452B27-506E-486A-88DD-25DB601BB4CA}"/>
               </a:ext>
             </a:extLst>
           </p:cNvPr>
@@ -4531,7 +4527,7 @@
           <p:cNvPr id="5" name="Footer Placeholder 4">
             <a:extLst>
               <a:ext uri="{FF2B5EF4-FFF2-40B4-BE49-F238E27FC236}">
-                <a16:creationId xmlns:a16="http://schemas.microsoft.com/office/drawing/2014/main" xmlns="" id="{157B7025-7245-4F8A-A2D3-CA8DC9051100}"/>
+                <a16:creationId xmlns:a16="http://schemas.microsoft.com/office/drawing/2014/main" id="{157B7025-7245-4F8A-A2D3-CA8DC9051100}"/>
               </a:ext>
             </a:extLst>
           </p:cNvPr>
@@ -4564,7 +4560,7 @@
           <p:cNvPr id="9" name="Picture 8">
             <a:extLst>
               <a:ext uri="{FF2B5EF4-FFF2-40B4-BE49-F238E27FC236}">
-                <a16:creationId xmlns:a16="http://schemas.microsoft.com/office/drawing/2014/main" xmlns="" id="{9CDF0014-5D5B-425C-8A37-DEAFF669491D}"/>
+                <a16:creationId xmlns:a16="http://schemas.microsoft.com/office/drawing/2014/main" id="{9CDF0014-5D5B-425C-8A37-DEAFF669491D}"/>
               </a:ext>
             </a:extLst>
           </p:cNvPr>
@@ -4605,13 +4601,6 @@
   <p:clrMapOvr>
     <a:masterClrMapping/>
   </p:clrMapOvr>
-  <p:timing>
-    <p:tnLst>
-      <p:par>
-        <p:cTn id="1" dur="indefinite" restart="never" nodeType="tmRoot"/>
-      </p:par>
-    </p:tnLst>
-  </p:timing>
 </p:sld>
 </file>
 
@@ -4637,7 +4626,7 @@
           <p:cNvPr id="2" name="Title 1">
             <a:extLst>
               <a:ext uri="{FF2B5EF4-FFF2-40B4-BE49-F238E27FC236}">
-                <a16:creationId xmlns:a16="http://schemas.microsoft.com/office/drawing/2014/main" xmlns="" id="{E34F0580-A203-4A19-A1EA-D994C7756136}"/>
+                <a16:creationId xmlns:a16="http://schemas.microsoft.com/office/drawing/2014/main" id="{E34F0580-A203-4A19-A1EA-D994C7756136}"/>
               </a:ext>
             </a:extLst>
           </p:cNvPr>
@@ -4665,7 +4654,7 @@
           <p:cNvPr id="3" name="Content Placeholder 2">
             <a:extLst>
               <a:ext uri="{FF2B5EF4-FFF2-40B4-BE49-F238E27FC236}">
-                <a16:creationId xmlns:a16="http://schemas.microsoft.com/office/drawing/2014/main" xmlns="" id="{A683F7D0-6178-44CC-A3B8-809ADC667CA8}"/>
+                <a16:creationId xmlns:a16="http://schemas.microsoft.com/office/drawing/2014/main" id="{A683F7D0-6178-44CC-A3B8-809ADC667CA8}"/>
               </a:ext>
             </a:extLst>
           </p:cNvPr>
@@ -4678,12 +4667,14 @@
         </p:nvSpPr>
         <p:spPr>
           <a:xfrm>
-            <a:off x="822960" y="2405728"/>
-            <a:ext cx="7543800" cy="3017520"/>
-          </a:xfrm>
-        </p:spPr>
-        <p:txBody>
-          <a:bodyPr/>
+            <a:off x="822960" y="2405727"/>
+            <a:ext cx="7543800" cy="3502703"/>
+          </a:xfrm>
+        </p:spPr>
+        <p:txBody>
+          <a:bodyPr>
+            <a:normAutofit fontScale="92500" lnSpcReduction="20000"/>
+          </a:bodyPr>
           <a:lstStyle/>
           <a:p>
             <a:pPr>
@@ -4696,43 +4687,13 @@
             </a:r>
           </a:p>
           <a:p>
-            <a:pPr lvl="1">
-              <a:buFont typeface="Arial" panose="020B0604020202020204" pitchFamily="34" charset="0"/>
-              <a:buChar char="•"/>
-            </a:pPr>
-            <a:r>
-              <a:rPr lang="it-IT" dirty="0"/>
-              <a:t>HTML</a:t>
-            </a:r>
-          </a:p>
-          <a:p>
-            <a:pPr lvl="1">
-              <a:buFont typeface="Arial" panose="020B0604020202020204" pitchFamily="34" charset="0"/>
-              <a:buChar char="•"/>
-            </a:pPr>
-            <a:r>
-              <a:rPr lang="it-IT" dirty="0"/>
-              <a:t>CSS</a:t>
-            </a:r>
-          </a:p>
-          <a:p>
-            <a:pPr lvl="1">
-              <a:buFont typeface="Arial" panose="020B0604020202020204" pitchFamily="34" charset="0"/>
-              <a:buChar char="•"/>
-            </a:pPr>
-            <a:r>
-              <a:rPr lang="it-IT" dirty="0"/>
-              <a:t>Javascript</a:t>
-            </a:r>
-          </a:p>
-          <a:p>
             <a:pPr>
               <a:buFont typeface="Arial" panose="020B0604020202020204" pitchFamily="34" charset="0"/>
               <a:buChar char="•"/>
             </a:pPr>
             <a:r>
               <a:rPr lang="it-IT" dirty="0"/>
-              <a:t> PHP</a:t>
+              <a:t> HTML5</a:t>
             </a:r>
           </a:p>
           <a:p>
@@ -4742,6 +4703,46 @@
             </a:pPr>
             <a:r>
               <a:rPr lang="it-IT" dirty="0"/>
+              <a:t> CSS</a:t>
+            </a:r>
+          </a:p>
+          <a:p>
+            <a:pPr>
+              <a:buFont typeface="Arial" panose="020B0604020202020204" pitchFamily="34" charset="0"/>
+              <a:buChar char="•"/>
+            </a:pPr>
+            <a:r>
+              <a:rPr lang="it-IT" dirty="0"/>
+              <a:t> JavaScript</a:t>
+            </a:r>
+          </a:p>
+          <a:p>
+            <a:pPr>
+              <a:buFont typeface="Arial" panose="020B0604020202020204" pitchFamily="34" charset="0"/>
+              <a:buChar char="•"/>
+            </a:pPr>
+            <a:r>
+              <a:rPr lang="it-IT" dirty="0"/>
+              <a:t> JQuery</a:t>
+            </a:r>
+          </a:p>
+          <a:p>
+            <a:pPr>
+              <a:buFont typeface="Arial" panose="020B0604020202020204" pitchFamily="34" charset="0"/>
+              <a:buChar char="•"/>
+            </a:pPr>
+            <a:r>
+              <a:rPr lang="it-IT" dirty="0"/>
+              <a:t> PHP</a:t>
+            </a:r>
+          </a:p>
+          <a:p>
+            <a:pPr>
+              <a:buFont typeface="Arial" panose="020B0604020202020204" pitchFamily="34" charset="0"/>
+              <a:buChar char="•"/>
+            </a:pPr>
+            <a:r>
+              <a:rPr lang="it-IT" dirty="0"/>
               <a:t> MySQL</a:t>
             </a:r>
             <a:endParaRPr lang="en-GB" dirty="0"/>
@@ -4759,7 +4760,7 @@
           <p:cNvPr id="4" name="Date Placeholder 3">
             <a:extLst>
               <a:ext uri="{FF2B5EF4-FFF2-40B4-BE49-F238E27FC236}">
-                <a16:creationId xmlns:a16="http://schemas.microsoft.com/office/drawing/2014/main" xmlns="" id="{E89CD802-A9B2-44A4-9B05-521831710354}"/>
+                <a16:creationId xmlns:a16="http://schemas.microsoft.com/office/drawing/2014/main" id="{E89CD802-A9B2-44A4-9B05-521831710354}"/>
               </a:ext>
             </a:extLst>
           </p:cNvPr>
@@ -4788,7 +4789,7 @@
           <p:cNvPr id="5" name="Footer Placeholder 4">
             <a:extLst>
               <a:ext uri="{FF2B5EF4-FFF2-40B4-BE49-F238E27FC236}">
-                <a16:creationId xmlns:a16="http://schemas.microsoft.com/office/drawing/2014/main" xmlns="" id="{A2B3A699-F20F-43DD-A646-DF2CFAACD8E2}"/>
+                <a16:creationId xmlns:a16="http://schemas.microsoft.com/office/drawing/2014/main" id="{A2B3A699-F20F-43DD-A646-DF2CFAACD8E2}"/>
               </a:ext>
             </a:extLst>
           </p:cNvPr>
@@ -4817,7 +4818,7 @@
           <p:cNvPr id="6" name="Slide Number Placeholder 5">
             <a:extLst>
               <a:ext uri="{FF2B5EF4-FFF2-40B4-BE49-F238E27FC236}">
-                <a16:creationId xmlns:a16="http://schemas.microsoft.com/office/drawing/2014/main" xmlns="" id="{600BC6BB-F68A-4021-994A-3985D0B8C07C}"/>
+                <a16:creationId xmlns:a16="http://schemas.microsoft.com/office/drawing/2014/main" id="{600BC6BB-F68A-4021-994A-3985D0B8C07C}"/>
               </a:ext>
             </a:extLst>
           </p:cNvPr>
@@ -4841,6 +4842,258 @@
           </a:p>
         </p:txBody>
       </p:sp>
+      <p:pic>
+        <p:nvPicPr>
+          <p:cNvPr id="7" name="Picture 6">
+            <a:extLst>
+              <a:ext uri="{FF2B5EF4-FFF2-40B4-BE49-F238E27FC236}">
+                <a16:creationId xmlns:a16="http://schemas.microsoft.com/office/drawing/2014/main" id="{D4B0EF7F-D655-417B-983F-2ACECF2B45DA}"/>
+              </a:ext>
+            </a:extLst>
+          </p:cNvPr>
+          <p:cNvPicPr>
+            <a:picLocks noChangeAspect="1"/>
+          </p:cNvPicPr>
+          <p:nvPr/>
+        </p:nvPicPr>
+        <p:blipFill>
+          <a:blip r:embed="rId2">
+            <a:extLst>
+              <a:ext uri="{28A0092B-C50C-407E-A947-70E740481C1C}">
+                <a14:useLocalDpi xmlns:a14="http://schemas.microsoft.com/office/drawing/2010/main" val="0"/>
+              </a:ext>
+            </a:extLst>
+          </a:blip>
+          <a:stretch>
+            <a:fillRect/>
+          </a:stretch>
+        </p:blipFill>
+        <p:spPr>
+          <a:xfrm>
+            <a:off x="3973033" y="2103548"/>
+            <a:ext cx="1020997" cy="1020997"/>
+          </a:xfrm>
+          <a:prstGeom prst="rect">
+            <a:avLst/>
+          </a:prstGeom>
+        </p:spPr>
+      </p:pic>
+      <p:pic>
+        <p:nvPicPr>
+          <p:cNvPr id="9" name="Picture 8">
+            <a:extLst>
+              <a:ext uri="{FF2B5EF4-FFF2-40B4-BE49-F238E27FC236}">
+                <a16:creationId xmlns:a16="http://schemas.microsoft.com/office/drawing/2014/main" id="{9BD61EB4-72E8-4939-B3B1-9D7ACF28C40D}"/>
+              </a:ext>
+            </a:extLst>
+          </p:cNvPr>
+          <p:cNvPicPr>
+            <a:picLocks noChangeAspect="1"/>
+          </p:cNvPicPr>
+          <p:nvPr/>
+        </p:nvPicPr>
+        <p:blipFill>
+          <a:blip r:embed="rId3">
+            <a:extLst>
+              <a:ext uri="{28A0092B-C50C-407E-A947-70E740481C1C}">
+                <a14:useLocalDpi xmlns:a14="http://schemas.microsoft.com/office/drawing/2010/main" val="0"/>
+              </a:ext>
+            </a:extLst>
+          </a:blip>
+          <a:stretch>
+            <a:fillRect/>
+          </a:stretch>
+        </p:blipFill>
+        <p:spPr>
+          <a:xfrm>
+            <a:off x="5540761" y="2755216"/>
+            <a:ext cx="1151296" cy="1151296"/>
+          </a:xfrm>
+          <a:prstGeom prst="rect">
+            <a:avLst/>
+          </a:prstGeom>
+        </p:spPr>
+      </p:pic>
+      <p:pic>
+        <p:nvPicPr>
+          <p:cNvPr id="11" name="Picture 10">
+            <a:extLst>
+              <a:ext uri="{FF2B5EF4-FFF2-40B4-BE49-F238E27FC236}">
+                <a16:creationId xmlns:a16="http://schemas.microsoft.com/office/drawing/2014/main" id="{1E39635C-B739-43B3-A856-1D8A69CEB26D}"/>
+              </a:ext>
+            </a:extLst>
+          </p:cNvPr>
+          <p:cNvPicPr>
+            <a:picLocks noChangeAspect="1"/>
+          </p:cNvPicPr>
+          <p:nvPr/>
+        </p:nvPicPr>
+        <p:blipFill>
+          <a:blip r:embed="rId4">
+            <a:extLst>
+              <a:ext uri="{28A0092B-C50C-407E-A947-70E740481C1C}">
+                <a14:useLocalDpi xmlns:a14="http://schemas.microsoft.com/office/drawing/2010/main" val="0"/>
+              </a:ext>
+            </a:extLst>
+          </a:blip>
+          <a:stretch>
+            <a:fillRect/>
+          </a:stretch>
+        </p:blipFill>
+        <p:spPr>
+          <a:xfrm>
+            <a:off x="7074600" y="3985180"/>
+            <a:ext cx="1382617" cy="1382617"/>
+          </a:xfrm>
+          <a:prstGeom prst="rect">
+            <a:avLst/>
+          </a:prstGeom>
+        </p:spPr>
+      </p:pic>
+      <p:pic>
+        <p:nvPicPr>
+          <p:cNvPr id="13" name="Picture 12">
+            <a:extLst>
+              <a:ext uri="{FF2B5EF4-FFF2-40B4-BE49-F238E27FC236}">
+                <a16:creationId xmlns:a16="http://schemas.microsoft.com/office/drawing/2014/main" id="{93036F42-AA74-415E-8B69-EB18EF298DFF}"/>
+              </a:ext>
+            </a:extLst>
+          </p:cNvPr>
+          <p:cNvPicPr>
+            <a:picLocks noChangeAspect="1"/>
+          </p:cNvPicPr>
+          <p:nvPr/>
+        </p:nvPicPr>
+        <p:blipFill>
+          <a:blip r:embed="rId5">
+            <a:extLst>
+              <a:ext uri="{28A0092B-C50C-407E-A947-70E740481C1C}">
+                <a14:useLocalDpi xmlns:a14="http://schemas.microsoft.com/office/drawing/2010/main" val="0"/>
+              </a:ext>
+            </a:extLst>
+          </a:blip>
+          <a:stretch>
+            <a:fillRect/>
+          </a:stretch>
+        </p:blipFill>
+        <p:spPr>
+          <a:xfrm>
+            <a:off x="6881063" y="2020123"/>
+            <a:ext cx="1296691" cy="1296691"/>
+          </a:xfrm>
+          <a:prstGeom prst="rect">
+            <a:avLst/>
+          </a:prstGeom>
+        </p:spPr>
+      </p:pic>
+      <p:pic>
+        <p:nvPicPr>
+          <p:cNvPr id="15" name="Picture 14">
+            <a:extLst>
+              <a:ext uri="{FF2B5EF4-FFF2-40B4-BE49-F238E27FC236}">
+                <a16:creationId xmlns:a16="http://schemas.microsoft.com/office/drawing/2014/main" id="{4170FEF2-C014-4394-B55A-B4E2D6A89441}"/>
+              </a:ext>
+            </a:extLst>
+          </p:cNvPr>
+          <p:cNvPicPr>
+            <a:picLocks noChangeAspect="1"/>
+          </p:cNvPicPr>
+          <p:nvPr/>
+        </p:nvPicPr>
+        <p:blipFill>
+          <a:blip r:embed="rId6">
+            <a:extLst>
+              <a:ext uri="{28A0092B-C50C-407E-A947-70E740481C1C}">
+                <a14:useLocalDpi xmlns:a14="http://schemas.microsoft.com/office/drawing/2010/main" val="0"/>
+              </a:ext>
+            </a:extLst>
+          </a:blip>
+          <a:stretch>
+            <a:fillRect/>
+          </a:stretch>
+        </p:blipFill>
+        <p:spPr>
+          <a:xfrm>
+            <a:off x="5424294" y="4336442"/>
+            <a:ext cx="1638830" cy="1638830"/>
+          </a:xfrm>
+          <a:prstGeom prst="rect">
+            <a:avLst/>
+          </a:prstGeom>
+        </p:spPr>
+      </p:pic>
+      <p:pic>
+        <p:nvPicPr>
+          <p:cNvPr id="17" name="Picture 16">
+            <a:extLst>
+              <a:ext uri="{FF2B5EF4-FFF2-40B4-BE49-F238E27FC236}">
+                <a16:creationId xmlns:a16="http://schemas.microsoft.com/office/drawing/2014/main" id="{ED13B808-86D5-4DDB-ADEF-506B0C0513D4}"/>
+              </a:ext>
+            </a:extLst>
+          </p:cNvPr>
+          <p:cNvPicPr>
+            <a:picLocks noChangeAspect="1"/>
+          </p:cNvPicPr>
+          <p:nvPr/>
+        </p:nvPicPr>
+        <p:blipFill>
+          <a:blip r:embed="rId7">
+            <a:extLst>
+              <a:ext uri="{28A0092B-C50C-407E-A947-70E740481C1C}">
+                <a14:useLocalDpi xmlns:a14="http://schemas.microsoft.com/office/drawing/2010/main" val="0"/>
+              </a:ext>
+            </a:extLst>
+          </a:blip>
+          <a:stretch>
+            <a:fillRect/>
+          </a:stretch>
+        </p:blipFill>
+        <p:spPr>
+          <a:xfrm>
+            <a:off x="3831790" y="3330157"/>
+            <a:ext cx="1528057" cy="1528057"/>
+          </a:xfrm>
+          <a:prstGeom prst="rect">
+            <a:avLst/>
+          </a:prstGeom>
+        </p:spPr>
+      </p:pic>
+      <p:pic>
+        <p:nvPicPr>
+          <p:cNvPr id="19" name="Picture 18">
+            <a:extLst>
+              <a:ext uri="{FF2B5EF4-FFF2-40B4-BE49-F238E27FC236}">
+                <a16:creationId xmlns:a16="http://schemas.microsoft.com/office/drawing/2014/main" id="{ACFDC110-02BF-4D9A-A902-B6CD3E42C8E0}"/>
+              </a:ext>
+            </a:extLst>
+          </p:cNvPr>
+          <p:cNvPicPr>
+            <a:picLocks noChangeAspect="1"/>
+          </p:cNvPicPr>
+          <p:nvPr/>
+        </p:nvPicPr>
+        <p:blipFill>
+          <a:blip r:embed="rId8">
+            <a:extLst>
+              <a:ext uri="{28A0092B-C50C-407E-A947-70E740481C1C}">
+                <a14:useLocalDpi xmlns:a14="http://schemas.microsoft.com/office/drawing/2010/main" val="0"/>
+              </a:ext>
+            </a:extLst>
+          </a:blip>
+          <a:stretch>
+            <a:fillRect/>
+          </a:stretch>
+        </p:blipFill>
+        <p:spPr>
+          <a:xfrm>
+            <a:off x="3344507" y="4414905"/>
+            <a:ext cx="1989330" cy="1989330"/>
+          </a:xfrm>
+          <a:prstGeom prst="rect">
+            <a:avLst/>
+          </a:prstGeom>
+        </p:spPr>
+      </p:pic>
     </p:spTree>
     <p:extLst>
       <p:ext uri="{BB962C8B-B14F-4D97-AF65-F5344CB8AC3E}">
@@ -4851,13 +5104,6 @@
   <p:clrMapOvr>
     <a:masterClrMapping/>
   </p:clrMapOvr>
-  <p:timing>
-    <p:tnLst>
-      <p:par>
-        <p:cTn id="1" dur="indefinite" restart="never" nodeType="tmRoot"/>
-      </p:par>
-    </p:tnLst>
-  </p:timing>
 </p:sld>
 </file>
 
@@ -4883,7 +5129,7 @@
           <p:cNvPr id="2" name="Title 1">
             <a:extLst>
               <a:ext uri="{FF2B5EF4-FFF2-40B4-BE49-F238E27FC236}">
-                <a16:creationId xmlns:a16="http://schemas.microsoft.com/office/drawing/2014/main" xmlns="" id="{E34F0580-A203-4A19-A1EA-D994C7756136}"/>
+                <a16:creationId xmlns:a16="http://schemas.microsoft.com/office/drawing/2014/main" id="{E34F0580-A203-4A19-A1EA-D994C7756136}"/>
               </a:ext>
             </a:extLst>
           </p:cNvPr>
@@ -4900,10 +5146,9 @@
           <a:lstStyle/>
           <a:p>
             <a:r>
-              <a:rPr lang="it-IT" dirty="0" smtClean="0"/>
+              <a:rPr lang="it-IT" dirty="0"/>
               <a:t>External libraries		</a:t>
             </a:r>
-            <a:endParaRPr lang="it-IT" dirty="0"/>
           </a:p>
         </p:txBody>
       </p:sp>
@@ -4912,7 +5157,7 @@
           <p:cNvPr id="3" name="Content Placeholder 2">
             <a:extLst>
               <a:ext uri="{FF2B5EF4-FFF2-40B4-BE49-F238E27FC236}">
-                <a16:creationId xmlns:a16="http://schemas.microsoft.com/office/drawing/2014/main" xmlns="" id="{A683F7D0-6178-44CC-A3B8-809ADC667CA8}"/>
+                <a16:creationId xmlns:a16="http://schemas.microsoft.com/office/drawing/2014/main" id="{A683F7D0-6178-44CC-A3B8-809ADC667CA8}"/>
               </a:ext>
             </a:extLst>
           </p:cNvPr>
@@ -4938,7 +5183,7 @@
               <a:buChar char="•"/>
             </a:pPr>
             <a:r>
-              <a:rPr lang="it-IT" dirty="0" smtClean="0"/>
+              <a:rPr lang="it-IT" dirty="0"/>
               <a:t> Lightbox </a:t>
             </a:r>
           </a:p>
@@ -4948,7 +5193,7 @@
               <a:buChar char="•"/>
             </a:pPr>
             <a:r>
-              <a:rPr lang="it-IT" dirty="0" smtClean="0"/>
+              <a:rPr lang="it-IT" dirty="0"/>
               <a:t> PHPMailer</a:t>
             </a:r>
           </a:p>
@@ -4958,10 +5203,24 @@
               <a:buChar char="•"/>
             </a:pPr>
             <a:r>
-              <a:rPr lang="it-IT" dirty="0" smtClean="0"/>
-              <a:t> Mail Scheduler</a:t>
-            </a:r>
-            <a:endParaRPr lang="en-GB" dirty="0" smtClean="0"/>
+              <a:rPr lang="it-IT" dirty="0"/>
+              <a:t> Mail </a:t>
+            </a:r>
+            <a:r>
+              <a:rPr lang="it-IT"/>
+              <a:t>Scheduler (by </a:t>
+            </a:r>
+            <a:r>
+              <a:rPr lang="it-IT" dirty="0">
+                <a:hlinkClick r:id="rId2" tooltip="https://chynten.wordpress.com/2016/06/03/java-scheduler-to-run-every-day-on-specific-time/"/>
+              </a:rPr>
+              <a:t>Chintan Patel</a:t>
+            </a:r>
+            <a:r>
+              <a:rPr lang="it-IT" dirty="0"/>
+              <a:t>)</a:t>
+            </a:r>
+            <a:endParaRPr lang="en-GB" dirty="0"/>
           </a:p>
           <a:p>
             <a:pPr marL="0" indent="0">
@@ -4976,7 +5235,7 @@
           <p:cNvPr id="4" name="Date Placeholder 3">
             <a:extLst>
               <a:ext uri="{FF2B5EF4-FFF2-40B4-BE49-F238E27FC236}">
-                <a16:creationId xmlns:a16="http://schemas.microsoft.com/office/drawing/2014/main" xmlns="" id="{E89CD802-A9B2-44A4-9B05-521831710354}"/>
+                <a16:creationId xmlns:a16="http://schemas.microsoft.com/office/drawing/2014/main" id="{E89CD802-A9B2-44A4-9B05-521831710354}"/>
               </a:ext>
             </a:extLst>
           </p:cNvPr>
@@ -5005,7 +5264,7 @@
           <p:cNvPr id="5" name="Footer Placeholder 4">
             <a:extLst>
               <a:ext uri="{FF2B5EF4-FFF2-40B4-BE49-F238E27FC236}">
-                <a16:creationId xmlns:a16="http://schemas.microsoft.com/office/drawing/2014/main" xmlns="" id="{A2B3A699-F20F-43DD-A646-DF2CFAACD8E2}"/>
+                <a16:creationId xmlns:a16="http://schemas.microsoft.com/office/drawing/2014/main" id="{A2B3A699-F20F-43DD-A646-DF2CFAACD8E2}"/>
               </a:ext>
             </a:extLst>
           </p:cNvPr>
@@ -5034,7 +5293,7 @@
           <p:cNvPr id="6" name="Slide Number Placeholder 5">
             <a:extLst>
               <a:ext uri="{FF2B5EF4-FFF2-40B4-BE49-F238E27FC236}">
-                <a16:creationId xmlns:a16="http://schemas.microsoft.com/office/drawing/2014/main" xmlns="" id="{600BC6BB-F68A-4021-994A-3985D0B8C07C}"/>
+                <a16:creationId xmlns:a16="http://schemas.microsoft.com/office/drawing/2014/main" id="{600BC6BB-F68A-4021-994A-3985D0B8C07C}"/>
               </a:ext>
             </a:extLst>
           </p:cNvPr>
@@ -5058,6 +5317,83 @@
           </a:p>
         </p:txBody>
       </p:sp>
+      <p:pic>
+        <p:nvPicPr>
+          <p:cNvPr id="7" name="Picture 6">
+            <a:extLst>
+              <a:ext uri="{FF2B5EF4-FFF2-40B4-BE49-F238E27FC236}">
+                <a16:creationId xmlns:a16="http://schemas.microsoft.com/office/drawing/2014/main" id="{4B621CCF-895C-42E6-8EDD-273E4F08E32F}"/>
+              </a:ext>
+            </a:extLst>
+          </p:cNvPr>
+          <p:cNvPicPr>
+            <a:picLocks noChangeAspect="1"/>
+          </p:cNvPicPr>
+          <p:nvPr/>
+        </p:nvPicPr>
+        <p:blipFill>
+          <a:blip r:embed="rId3"/>
+          <a:stretch>
+            <a:fillRect/>
+          </a:stretch>
+        </p:blipFill>
+        <p:spPr>
+          <a:xfrm>
+            <a:off x="407963" y="4251660"/>
+            <a:ext cx="3733800" cy="1200150"/>
+          </a:xfrm>
+          <a:prstGeom prst="rect">
+            <a:avLst/>
+          </a:prstGeom>
+        </p:spPr>
+      </p:pic>
+      <p:pic>
+        <p:nvPicPr>
+          <p:cNvPr id="1026" name="Picture 2" descr="https://camo.githubusercontent.com/0d858d6dac4d3f6fab7d42de2c09d32ee2de9c5b/68747470733a2f2f7261772e6769746875622e636f6d2f5048504d61696c65722f5048504d61696c65722f6d61737465722f6578616d706c65732f696d616765732f7068706d61696c65722e706e67">
+            <a:extLst>
+              <a:ext uri="{FF2B5EF4-FFF2-40B4-BE49-F238E27FC236}">
+                <a16:creationId xmlns:a16="http://schemas.microsoft.com/office/drawing/2014/main" id="{1B4F493D-24CF-4640-A08E-DB04B0E0EB67}"/>
+              </a:ext>
+            </a:extLst>
+          </p:cNvPr>
+          <p:cNvPicPr>
+            <a:picLocks noChangeAspect="1" noChangeArrowheads="1"/>
+          </p:cNvPicPr>
+          <p:nvPr/>
+        </p:nvPicPr>
+        <p:blipFill>
+          <a:blip r:embed="rId4">
+            <a:extLst>
+              <a:ext uri="{28A0092B-C50C-407E-A947-70E740481C1C}">
+                <a14:useLocalDpi xmlns:a14="http://schemas.microsoft.com/office/drawing/2010/main" val="0"/>
+              </a:ext>
+            </a:extLst>
+          </a:blip>
+          <a:srcRect/>
+          <a:stretch>
+            <a:fillRect/>
+          </a:stretch>
+        </p:blipFill>
+        <p:spPr bwMode="auto">
+          <a:xfrm>
+            <a:off x="5419812" y="4423110"/>
+            <a:ext cx="3238500" cy="857250"/>
+          </a:xfrm>
+          <a:prstGeom prst="rect">
+            <a:avLst/>
+          </a:prstGeom>
+          <a:noFill/>
+          <a:extLst>
+            <a:ext uri="{909E8E84-426E-40DD-AFC4-6F175D3DCCD1}">
+              <a14:hiddenFill xmlns:a14="http://schemas.microsoft.com/office/drawing/2010/main">
+                <a:solidFill>
+                  <a:srgbClr val="FFFFFF"/>
+                </a:solidFill>
+              </a14:hiddenFill>
+            </a:ext>
+          </a:extLst>
+        </p:spPr>
+      </p:pic>
     </p:spTree>
     <p:extLst>
       <p:ext uri="{BB962C8B-B14F-4D97-AF65-F5344CB8AC3E}">
@@ -5068,13 +5404,6 @@
   <p:clrMapOvr>
     <a:masterClrMapping/>
   </p:clrMapOvr>
-  <p:timing>
-    <p:tnLst>
-      <p:par>
-        <p:cTn id="1" dur="indefinite" restart="never" nodeType="tmRoot"/>
-      </p:par>
-    </p:tnLst>
-  </p:timing>
 </p:sld>
 </file>
 
@@ -5100,7 +5429,7 @@
           <p:cNvPr id="2" name="Title 1">
             <a:extLst>
               <a:ext uri="{FF2B5EF4-FFF2-40B4-BE49-F238E27FC236}">
-                <a16:creationId xmlns:a16="http://schemas.microsoft.com/office/drawing/2014/main" xmlns="" id="{E34F0580-A203-4A19-A1EA-D994C7756136}"/>
+                <a16:creationId xmlns:a16="http://schemas.microsoft.com/office/drawing/2014/main" id="{E34F0580-A203-4A19-A1EA-D994C7756136}"/>
               </a:ext>
             </a:extLst>
           </p:cNvPr>
@@ -5111,33 +5440,102 @@
             <p:ph type="title"/>
           </p:nvPr>
         </p:nvSpPr>
-        <p:spPr>
-          <a:xfrm>
-            <a:off x="822960" y="245661"/>
-            <a:ext cx="7543800" cy="1450757"/>
-          </a:xfrm>
-        </p:spPr>
+        <p:spPr/>
         <p:txBody>
           <a:bodyPr/>
           <a:lstStyle/>
           <a:p>
             <a:r>
-              <a:rPr lang="it-IT" smtClean="0"/>
-              <a:t>Now l</a:t>
-            </a:r>
-            <a:r>
-              <a:rPr lang="it-IT" smtClean="0"/>
-              <a:t>et’s </a:t>
-            </a:r>
-            <a:r>
-              <a:rPr lang="it-IT" dirty="0" smtClean="0"/>
-              <a:t>take a look</a:t>
-            </a:r>
-            <a:r>
-              <a:rPr lang="en-US" dirty="0" smtClean="0"/>
-              <a:t>!</a:t>
-            </a:r>
-            <a:endParaRPr lang="it-IT" dirty="0"/>
+              <a:rPr lang="it-IT" dirty="0"/>
+              <a:t>Development process	</a:t>
+            </a:r>
+          </a:p>
+        </p:txBody>
+      </p:sp>
+      <p:sp>
+        <p:nvSpPr>
+          <p:cNvPr id="3" name="Content Placeholder 2">
+            <a:extLst>
+              <a:ext uri="{FF2B5EF4-FFF2-40B4-BE49-F238E27FC236}">
+                <a16:creationId xmlns:a16="http://schemas.microsoft.com/office/drawing/2014/main" id="{A683F7D0-6178-44CC-A3B8-809ADC667CA8}"/>
+              </a:ext>
+            </a:extLst>
+          </p:cNvPr>
+          <p:cNvSpPr>
+            <a:spLocks noGrp="1"/>
+          </p:cNvSpPr>
+          <p:nvPr>
+            <p:ph idx="1"/>
+          </p:nvPr>
+        </p:nvSpPr>
+        <p:spPr>
+          <a:xfrm>
+            <a:off x="822960" y="2405728"/>
+            <a:ext cx="7543800" cy="3798124"/>
+          </a:xfrm>
+        </p:spPr>
+        <p:txBody>
+          <a:bodyPr/>
+          <a:lstStyle/>
+          <a:p>
+            <a:pPr>
+              <a:buFont typeface="Arial" panose="020B0604020202020204" pitchFamily="34" charset="0"/>
+              <a:buChar char="•"/>
+            </a:pPr>
+            <a:r>
+              <a:rPr lang="it-IT" dirty="0"/>
+              <a:t> Defining user stories</a:t>
+            </a:r>
+          </a:p>
+          <a:p>
+            <a:pPr>
+              <a:buFont typeface="Arial" panose="020B0604020202020204" pitchFamily="34" charset="0"/>
+              <a:buChar char="•"/>
+            </a:pPr>
+            <a:r>
+              <a:rPr lang="it-IT" dirty="0"/>
+              <a:t> Sketching wireframes and fuctionalities</a:t>
+            </a:r>
+          </a:p>
+          <a:p>
+            <a:pPr>
+              <a:buFont typeface="Arial" panose="020B0604020202020204" pitchFamily="34" charset="0"/>
+              <a:buChar char="•"/>
+            </a:pPr>
+            <a:r>
+              <a:rPr lang="it-IT" dirty="0"/>
+              <a:t> Choosing technologies</a:t>
+            </a:r>
+          </a:p>
+          <a:p>
+            <a:pPr>
+              <a:buFont typeface="Arial" panose="020B0604020202020204" pitchFamily="34" charset="0"/>
+              <a:buChar char="•"/>
+            </a:pPr>
+            <a:r>
+              <a:rPr lang="it-IT" dirty="0"/>
+              <a:t> Implementing front-end and back-end</a:t>
+            </a:r>
+          </a:p>
+          <a:p>
+            <a:pPr>
+              <a:buFont typeface="Arial" panose="020B0604020202020204" pitchFamily="34" charset="0"/>
+              <a:buChar char="•"/>
+            </a:pPr>
+            <a:r>
+              <a:rPr lang="it-IT" dirty="0"/>
+              <a:t> Collecting feedback from users</a:t>
+            </a:r>
+          </a:p>
+          <a:p>
+            <a:pPr>
+              <a:buFont typeface="Arial" panose="020B0604020202020204" pitchFamily="34" charset="0"/>
+              <a:buChar char="•"/>
+            </a:pPr>
+            <a:r>
+              <a:rPr lang="it-IT" dirty="0"/>
+              <a:t> Testing and bug fixing</a:t>
+            </a:r>
           </a:p>
         </p:txBody>
       </p:sp>
@@ -5146,7 +5544,7 @@
           <p:cNvPr id="4" name="Date Placeholder 3">
             <a:extLst>
               <a:ext uri="{FF2B5EF4-FFF2-40B4-BE49-F238E27FC236}">
-                <a16:creationId xmlns:a16="http://schemas.microsoft.com/office/drawing/2014/main" xmlns="" id="{E89CD802-A9B2-44A4-9B05-521831710354}"/>
+                <a16:creationId xmlns:a16="http://schemas.microsoft.com/office/drawing/2014/main" id="{E89CD802-A9B2-44A4-9B05-521831710354}"/>
               </a:ext>
             </a:extLst>
           </p:cNvPr>
@@ -5175,7 +5573,7 @@
           <p:cNvPr id="5" name="Footer Placeholder 4">
             <a:extLst>
               <a:ext uri="{FF2B5EF4-FFF2-40B4-BE49-F238E27FC236}">
-                <a16:creationId xmlns:a16="http://schemas.microsoft.com/office/drawing/2014/main" xmlns="" id="{A2B3A699-F20F-43DD-A646-DF2CFAACD8E2}"/>
+                <a16:creationId xmlns:a16="http://schemas.microsoft.com/office/drawing/2014/main" id="{A2B3A699-F20F-43DD-A646-DF2CFAACD8E2}"/>
               </a:ext>
             </a:extLst>
           </p:cNvPr>
@@ -5204,7 +5602,7 @@
           <p:cNvPr id="6" name="Slide Number Placeholder 5">
             <a:extLst>
               <a:ext uri="{FF2B5EF4-FFF2-40B4-BE49-F238E27FC236}">
-                <a16:creationId xmlns:a16="http://schemas.microsoft.com/office/drawing/2014/main" xmlns="" id="{600BC6BB-F68A-4021-994A-3985D0B8C07C}"/>
+                <a16:creationId xmlns:a16="http://schemas.microsoft.com/office/drawing/2014/main" id="{600BC6BB-F68A-4021-994A-3985D0B8C07C}"/>
               </a:ext>
             </a:extLst>
           </p:cNvPr>
@@ -5223,6 +5621,165 @@
             <a:fld id="{E63C5663-C309-400D-BD5F-8327758EFEBB}" type="slidenum">
               <a:rPr lang="en-GB" smtClean="0"/>
               <a:t>4</a:t>
+            </a:fld>
+            <a:endParaRPr lang="en-GB" dirty="0"/>
+          </a:p>
+        </p:txBody>
+      </p:sp>
+    </p:spTree>
+    <p:extLst>
+      <p:ext uri="{BB962C8B-B14F-4D97-AF65-F5344CB8AC3E}">
+        <p14:creationId xmlns:p14="http://schemas.microsoft.com/office/powerpoint/2010/main" val="3556455345"/>
+      </p:ext>
+    </p:extLst>
+  </p:cSld>
+  <p:clrMapOvr>
+    <a:masterClrMapping/>
+  </p:clrMapOvr>
+</p:sld>
+</file>
+
+<file path=ppt/slides/slide5.xml><?xml version="1.0" encoding="utf-8"?>
+<p:sld xmlns:a="http://schemas.openxmlformats.org/drawingml/2006/main" xmlns:r="http://schemas.openxmlformats.org/officeDocument/2006/relationships" xmlns:p="http://schemas.openxmlformats.org/presentationml/2006/main">
+  <p:cSld>
+    <p:spTree>
+      <p:nvGrpSpPr>
+        <p:cNvPr id="1" name=""/>
+        <p:cNvGrpSpPr/>
+        <p:nvPr/>
+      </p:nvGrpSpPr>
+      <p:grpSpPr>
+        <a:xfrm>
+          <a:off x="0" y="0"/>
+          <a:ext cx="0" cy="0"/>
+          <a:chOff x="0" y="0"/>
+          <a:chExt cx="0" cy="0"/>
+        </a:xfrm>
+      </p:grpSpPr>
+      <p:sp>
+        <p:nvSpPr>
+          <p:cNvPr id="2" name="Title 1">
+            <a:extLst>
+              <a:ext uri="{FF2B5EF4-FFF2-40B4-BE49-F238E27FC236}">
+                <a16:creationId xmlns:a16="http://schemas.microsoft.com/office/drawing/2014/main" id="{E34F0580-A203-4A19-A1EA-D994C7756136}"/>
+              </a:ext>
+            </a:extLst>
+          </p:cNvPr>
+          <p:cNvSpPr>
+            <a:spLocks noGrp="1"/>
+          </p:cNvSpPr>
+          <p:nvPr>
+            <p:ph type="title"/>
+          </p:nvPr>
+        </p:nvSpPr>
+        <p:spPr>
+          <a:xfrm>
+            <a:off x="822960" y="245661"/>
+            <a:ext cx="7543800" cy="1450757"/>
+          </a:xfrm>
+        </p:spPr>
+        <p:txBody>
+          <a:bodyPr/>
+          <a:lstStyle/>
+          <a:p>
+            <a:r>
+              <a:rPr lang="it-IT"/>
+              <a:t>Now let’s </a:t>
+            </a:r>
+            <a:r>
+              <a:rPr lang="it-IT" dirty="0"/>
+              <a:t>take a look</a:t>
+            </a:r>
+            <a:r>
+              <a:rPr lang="en-US" dirty="0"/>
+              <a:t>!</a:t>
+            </a:r>
+            <a:endParaRPr lang="it-IT" dirty="0"/>
+          </a:p>
+        </p:txBody>
+      </p:sp>
+      <p:sp>
+        <p:nvSpPr>
+          <p:cNvPr id="4" name="Date Placeholder 3">
+            <a:extLst>
+              <a:ext uri="{FF2B5EF4-FFF2-40B4-BE49-F238E27FC236}">
+                <a16:creationId xmlns:a16="http://schemas.microsoft.com/office/drawing/2014/main" id="{E89CD802-A9B2-44A4-9B05-521831710354}"/>
+              </a:ext>
+            </a:extLst>
+          </p:cNvPr>
+          <p:cNvSpPr>
+            <a:spLocks noGrp="1"/>
+          </p:cNvSpPr>
+          <p:nvPr>
+            <p:ph type="dt" sz="half" idx="10"/>
+          </p:nvPr>
+        </p:nvSpPr>
+        <p:spPr/>
+        <p:txBody>
+          <a:bodyPr/>
+          <a:lstStyle/>
+          <a:p>
+            <a:r>
+              <a:rPr lang="en-US"/>
+              <a:t>A.Y. 2017/18</a:t>
+            </a:r>
+            <a:endParaRPr lang="en-GB" dirty="0"/>
+          </a:p>
+        </p:txBody>
+      </p:sp>
+      <p:sp>
+        <p:nvSpPr>
+          <p:cNvPr id="5" name="Footer Placeholder 4">
+            <a:extLst>
+              <a:ext uri="{FF2B5EF4-FFF2-40B4-BE49-F238E27FC236}">
+                <a16:creationId xmlns:a16="http://schemas.microsoft.com/office/drawing/2014/main" id="{A2B3A699-F20F-43DD-A646-DF2CFAACD8E2}"/>
+              </a:ext>
+            </a:extLst>
+          </p:cNvPr>
+          <p:cNvSpPr>
+            <a:spLocks noGrp="1"/>
+          </p:cNvSpPr>
+          <p:nvPr>
+            <p:ph type="ftr" sz="quarter" idx="11"/>
+          </p:nvPr>
+        </p:nvSpPr>
+        <p:spPr/>
+        <p:txBody>
+          <a:bodyPr/>
+          <a:lstStyle/>
+          <a:p>
+            <a:r>
+              <a:rPr lang="it-IT"/>
+              <a:t>IMS – A6</a:t>
+            </a:r>
+            <a:endParaRPr lang="en-GB" dirty="0"/>
+          </a:p>
+        </p:txBody>
+      </p:sp>
+      <p:sp>
+        <p:nvSpPr>
+          <p:cNvPr id="6" name="Slide Number Placeholder 5">
+            <a:extLst>
+              <a:ext uri="{FF2B5EF4-FFF2-40B4-BE49-F238E27FC236}">
+                <a16:creationId xmlns:a16="http://schemas.microsoft.com/office/drawing/2014/main" id="{600BC6BB-F68A-4021-994A-3985D0B8C07C}"/>
+              </a:ext>
+            </a:extLst>
+          </p:cNvPr>
+          <p:cNvSpPr>
+            <a:spLocks noGrp="1"/>
+          </p:cNvSpPr>
+          <p:nvPr>
+            <p:ph type="sldNum" sz="quarter" idx="12"/>
+          </p:nvPr>
+        </p:nvSpPr>
+        <p:spPr/>
+        <p:txBody>
+          <a:bodyPr/>
+          <a:lstStyle/>
+          <a:p>
+            <a:fld id="{E63C5663-C309-400D-BD5F-8327758EFEBB}" type="slidenum">
+              <a:rPr lang="en-GB" smtClean="0"/>
+              <a:t>5</a:t>
             </a:fld>
             <a:endParaRPr lang="en-GB" dirty="0"/>
           </a:p>
@@ -5275,165 +5832,6 @@
   <p:clrMapOvr>
     <a:masterClrMapping/>
   </p:clrMapOvr>
-  <p:timing>
-    <p:tnLst>
-      <p:par>
-        <p:cTn id="1" dur="indefinite" restart="never" nodeType="tmRoot"/>
-      </p:par>
-    </p:tnLst>
-  </p:timing>
-</p:sld>
-</file>
-
-<file path=ppt/slides/slide5.xml><?xml version="1.0" encoding="utf-8"?>
-<p:sld xmlns:a="http://schemas.openxmlformats.org/drawingml/2006/main" xmlns:r="http://schemas.openxmlformats.org/officeDocument/2006/relationships" xmlns:p="http://schemas.openxmlformats.org/presentationml/2006/main">
-  <p:cSld>
-    <p:spTree>
-      <p:nvGrpSpPr>
-        <p:cNvPr id="1" name=""/>
-        <p:cNvGrpSpPr/>
-        <p:nvPr/>
-      </p:nvGrpSpPr>
-      <p:grpSpPr>
-        <a:xfrm>
-          <a:off x="0" y="0"/>
-          <a:ext cx="0" cy="0"/>
-          <a:chOff x="0" y="0"/>
-          <a:chExt cx="0" cy="0"/>
-        </a:xfrm>
-      </p:grpSpPr>
-      <p:sp>
-        <p:nvSpPr>
-          <p:cNvPr id="2" name="Title 1">
-            <a:extLst>
-              <a:ext uri="{FF2B5EF4-FFF2-40B4-BE49-F238E27FC236}">
-                <a16:creationId xmlns:a16="http://schemas.microsoft.com/office/drawing/2014/main" xmlns="" id="{8E13A3F7-DEA5-4422-8558-68CCCB4DDBA5}"/>
-              </a:ext>
-            </a:extLst>
-          </p:cNvPr>
-          <p:cNvSpPr>
-            <a:spLocks noGrp="1"/>
-          </p:cNvSpPr>
-          <p:nvPr>
-            <p:ph type="ctrTitle"/>
-          </p:nvPr>
-        </p:nvSpPr>
-        <p:spPr/>
-        <p:txBody>
-          <a:bodyPr/>
-          <a:lstStyle/>
-          <a:p>
-            <a:r>
-              <a:rPr lang="it-IT" dirty="0" smtClean="0"/>
-              <a:t>Thank you for your attention</a:t>
-            </a:r>
-            <a:endParaRPr lang="en-GB" dirty="0"/>
-          </a:p>
-        </p:txBody>
-      </p:sp>
-      <p:sp>
-        <p:nvSpPr>
-          <p:cNvPr id="4" name="Date Placeholder 3">
-            <a:extLst>
-              <a:ext uri="{FF2B5EF4-FFF2-40B4-BE49-F238E27FC236}">
-                <a16:creationId xmlns:a16="http://schemas.microsoft.com/office/drawing/2014/main" xmlns="" id="{81FDD2C4-0427-4096-A8D4-C3582059EA53}"/>
-              </a:ext>
-            </a:extLst>
-          </p:cNvPr>
-          <p:cNvSpPr>
-            <a:spLocks noGrp="1"/>
-          </p:cNvSpPr>
-          <p:nvPr>
-            <p:ph type="dt" sz="half" idx="10"/>
-          </p:nvPr>
-        </p:nvSpPr>
-        <p:spPr/>
-        <p:txBody>
-          <a:bodyPr/>
-          <a:lstStyle/>
-          <a:p>
-            <a:r>
-              <a:rPr lang="en-US"/>
-              <a:t>A.Y. 2017/18</a:t>
-            </a:r>
-            <a:endParaRPr lang="en-GB"/>
-          </a:p>
-        </p:txBody>
-      </p:sp>
-      <p:sp>
-        <p:nvSpPr>
-          <p:cNvPr id="5" name="Footer Placeholder 4">
-            <a:extLst>
-              <a:ext uri="{FF2B5EF4-FFF2-40B4-BE49-F238E27FC236}">
-                <a16:creationId xmlns:a16="http://schemas.microsoft.com/office/drawing/2014/main" xmlns="" id="{0339F8C2-760A-470D-9C24-4B488FA39B09}"/>
-              </a:ext>
-            </a:extLst>
-          </p:cNvPr>
-          <p:cNvSpPr>
-            <a:spLocks noGrp="1"/>
-          </p:cNvSpPr>
-          <p:nvPr>
-            <p:ph type="ftr" sz="quarter" idx="11"/>
-          </p:nvPr>
-        </p:nvSpPr>
-        <p:spPr/>
-        <p:txBody>
-          <a:bodyPr/>
-          <a:lstStyle/>
-          <a:p>
-            <a:r>
-              <a:rPr lang="en-GB"/>
-              <a:t>IMS – A6</a:t>
-            </a:r>
-          </a:p>
-        </p:txBody>
-      </p:sp>
-      <p:sp>
-        <p:nvSpPr>
-          <p:cNvPr id="6" name="Slide Number Placeholder 5">
-            <a:extLst>
-              <a:ext uri="{FF2B5EF4-FFF2-40B4-BE49-F238E27FC236}">
-                <a16:creationId xmlns:a16="http://schemas.microsoft.com/office/drawing/2014/main" xmlns="" id="{D0A895D0-D134-4047-9611-2A8B9DE2E512}"/>
-              </a:ext>
-            </a:extLst>
-          </p:cNvPr>
-          <p:cNvSpPr>
-            <a:spLocks noGrp="1"/>
-          </p:cNvSpPr>
-          <p:nvPr>
-            <p:ph type="sldNum" sz="quarter" idx="12"/>
-          </p:nvPr>
-        </p:nvSpPr>
-        <p:spPr/>
-        <p:txBody>
-          <a:bodyPr/>
-          <a:lstStyle/>
-          <a:p>
-            <a:fld id="{E63C5663-C309-400D-BD5F-8327758EFEBB}" type="slidenum">
-              <a:rPr lang="en-GB" smtClean="0"/>
-              <a:t>5</a:t>
-            </a:fld>
-            <a:endParaRPr lang="en-GB"/>
-          </a:p>
-        </p:txBody>
-      </p:sp>
-    </p:spTree>
-    <p:extLst>
-      <p:ext uri="{BB962C8B-B14F-4D97-AF65-F5344CB8AC3E}">
-        <p14:creationId xmlns:p14="http://schemas.microsoft.com/office/powerpoint/2010/main" val="2750131255"/>
-      </p:ext>
-    </p:extLst>
-  </p:cSld>
-  <p:clrMapOvr>
-    <a:masterClrMapping/>
-  </p:clrMapOvr>
-  <p:timing>
-    <p:tnLst>
-      <p:par>
-        <p:cTn id="1" dur="indefinite" restart="never" nodeType="tmRoot"/>
-      </p:par>
-    </p:tnLst>
-  </p:timing>
 </p:sld>
 </file>
 

--- a/Presentations/3. Final presentation/IMS_A_6_Final_Presentation.pptx
+++ b/Presentations/3. Final presentation/IMS_A_6_Final_Presentation.pptx
@@ -5787,21 +5787,20 @@
       </p:sp>
       <p:pic>
         <p:nvPicPr>
-          <p:cNvPr id="7" name="Picture 6"/>
+          <p:cNvPr id="8" name="Picture 7">
+            <a:extLst>
+              <a:ext uri="{FF2B5EF4-FFF2-40B4-BE49-F238E27FC236}">
+                <a16:creationId xmlns:a16="http://schemas.microsoft.com/office/drawing/2014/main" id="{67B27822-F884-453E-88FF-32917834AF5C}"/>
+              </a:ext>
+            </a:extLst>
+          </p:cNvPr>
           <p:cNvPicPr>
             <a:picLocks noChangeAspect="1"/>
           </p:cNvPicPr>
           <p:nvPr/>
         </p:nvPicPr>
         <p:blipFill>
-          <a:blip r:embed="rId2" cstate="print">
-            <a:duotone>
-              <a:prstClr val="black"/>
-              <a:schemeClr val="tx2">
-                <a:tint val="45000"/>
-                <a:satMod val="400000"/>
-              </a:schemeClr>
-            </a:duotone>
+          <a:blip r:embed="rId2">
             <a:extLst>
               <a:ext uri="{28A0092B-C50C-407E-A947-70E740481C1C}">
                 <a14:useLocalDpi xmlns:a14="http://schemas.microsoft.com/office/drawing/2010/main" val="0"/>
@@ -5814,8 +5813,8 @@
         </p:blipFill>
         <p:spPr>
           <a:xfrm>
-            <a:off x="1162852" y="2914585"/>
-            <a:ext cx="6864016" cy="2327033"/>
+            <a:off x="1847515" y="2693821"/>
+            <a:ext cx="5451350" cy="2046991"/>
           </a:xfrm>
           <a:prstGeom prst="rect">
             <a:avLst/>

--- a/Presentations/3. Final presentation/IMS_A_6_Final_Presentation.pptx
+++ b/Presentations/3. Final presentation/IMS_A_6_Final_Presentation.pptx
@@ -223,7 +223,7 @@
           <a:p>
             <a:fld id="{A6952B95-06EE-48F9-8CE6-BD72AE48B352}" type="datetimeFigureOut">
               <a:rPr lang="en-GB" smtClean="0"/>
-              <a:t>16/01/2018</a:t>
+              <a:t>17/01/2018</a:t>
             </a:fld>
             <a:endParaRPr lang="en-GB"/>
           </a:p>
@@ -400,7 +400,7 @@
           <a:p>
             <a:fld id="{5D71F2A7-5F20-42E8-AABF-EC7FFDF3CF26}" type="datetimeFigureOut">
               <a:rPr lang="en-GB" smtClean="0"/>
-              <a:t>16/01/2018</a:t>
+              <a:t>17/01/2018</a:t>
             </a:fld>
             <a:endParaRPr lang="en-GB"/>
           </a:p>
@@ -4667,13 +4667,13 @@
         </p:nvSpPr>
         <p:spPr>
           <a:xfrm>
-            <a:off x="822960" y="2405727"/>
-            <a:ext cx="7543800" cy="3502703"/>
+            <a:off x="822960" y="2212925"/>
+            <a:ext cx="7543800" cy="3695506"/>
           </a:xfrm>
         </p:spPr>
         <p:txBody>
           <a:bodyPr>
-            <a:normAutofit fontScale="92500" lnSpcReduction="20000"/>
+            <a:normAutofit fontScale="85000" lnSpcReduction="20000"/>
           </a:bodyPr>
           <a:lstStyle/>
           <a:p>
@@ -4714,6 +4714,16 @@
             <a:r>
               <a:rPr lang="it-IT" dirty="0"/>
               <a:t> JavaScript</a:t>
+            </a:r>
+          </a:p>
+          <a:p>
+            <a:pPr>
+              <a:buFont typeface="Arial" panose="020B0604020202020204" pitchFamily="34" charset="0"/>
+              <a:buChar char="•"/>
+            </a:pPr>
+            <a:r>
+              <a:rPr lang="it-IT" dirty="0"/>
+              <a:t> AJAX</a:t>
             </a:r>
           </a:p>
           <a:p>
@@ -4870,7 +4880,7 @@
         </p:blipFill>
         <p:spPr>
           <a:xfrm>
-            <a:off x="3973033" y="2103548"/>
+            <a:off x="3956538" y="2061660"/>
             <a:ext cx="1020997" cy="1020997"/>
           </a:xfrm>
           <a:prstGeom prst="rect">
@@ -4880,10 +4890,10 @@
       </p:pic>
       <p:pic>
         <p:nvPicPr>
-          <p:cNvPr id="9" name="Picture 8">
+          <p:cNvPr id="11" name="Picture 10">
             <a:extLst>
               <a:ext uri="{FF2B5EF4-FFF2-40B4-BE49-F238E27FC236}">
-                <a16:creationId xmlns:a16="http://schemas.microsoft.com/office/drawing/2014/main" id="{9BD61EB4-72E8-4939-B3B1-9D7ACF28C40D}"/>
+                <a16:creationId xmlns:a16="http://schemas.microsoft.com/office/drawing/2014/main" id="{1E39635C-B739-43B3-A856-1D8A69CEB26D}"/>
               </a:ext>
             </a:extLst>
           </p:cNvPr>
@@ -4906,8 +4916,8 @@
         </p:blipFill>
         <p:spPr>
           <a:xfrm>
-            <a:off x="5540761" y="2755216"/>
-            <a:ext cx="1151296" cy="1151296"/>
+            <a:off x="7074600" y="3985180"/>
+            <a:ext cx="1382617" cy="1382617"/>
           </a:xfrm>
           <a:prstGeom prst="rect">
             <a:avLst/>
@@ -4916,10 +4926,10 @@
       </p:pic>
       <p:pic>
         <p:nvPicPr>
-          <p:cNvPr id="11" name="Picture 10">
+          <p:cNvPr id="15" name="Picture 14">
             <a:extLst>
               <a:ext uri="{FF2B5EF4-FFF2-40B4-BE49-F238E27FC236}">
-                <a16:creationId xmlns:a16="http://schemas.microsoft.com/office/drawing/2014/main" id="{1E39635C-B739-43B3-A856-1D8A69CEB26D}"/>
+                <a16:creationId xmlns:a16="http://schemas.microsoft.com/office/drawing/2014/main" id="{4170FEF2-C014-4394-B55A-B4E2D6A89441}"/>
               </a:ext>
             </a:extLst>
           </p:cNvPr>
@@ -4942,8 +4952,8 @@
         </p:blipFill>
         <p:spPr>
           <a:xfrm>
-            <a:off x="7074600" y="3985180"/>
-            <a:ext cx="1382617" cy="1382617"/>
+            <a:off x="5424294" y="4336442"/>
+            <a:ext cx="1638830" cy="1638830"/>
           </a:xfrm>
           <a:prstGeom prst="rect">
             <a:avLst/>
@@ -4952,10 +4962,10 @@
       </p:pic>
       <p:pic>
         <p:nvPicPr>
-          <p:cNvPr id="13" name="Picture 12">
+          <p:cNvPr id="17" name="Picture 16">
             <a:extLst>
               <a:ext uri="{FF2B5EF4-FFF2-40B4-BE49-F238E27FC236}">
-                <a16:creationId xmlns:a16="http://schemas.microsoft.com/office/drawing/2014/main" id="{93036F42-AA74-415E-8B69-EB18EF298DFF}"/>
+                <a16:creationId xmlns:a16="http://schemas.microsoft.com/office/drawing/2014/main" id="{ED13B808-86D5-4DDB-ADEF-506B0C0513D4}"/>
               </a:ext>
             </a:extLst>
           </p:cNvPr>
@@ -4978,8 +4988,8 @@
         </p:blipFill>
         <p:spPr>
           <a:xfrm>
-            <a:off x="6881063" y="2020123"/>
-            <a:ext cx="1296691" cy="1296691"/>
+            <a:off x="3831790" y="3330157"/>
+            <a:ext cx="1528057" cy="1528057"/>
           </a:xfrm>
           <a:prstGeom prst="rect">
             <a:avLst/>
@@ -4988,10 +4998,10 @@
       </p:pic>
       <p:pic>
         <p:nvPicPr>
-          <p:cNvPr id="15" name="Picture 14">
+          <p:cNvPr id="19" name="Picture 18">
             <a:extLst>
               <a:ext uri="{FF2B5EF4-FFF2-40B4-BE49-F238E27FC236}">
-                <a16:creationId xmlns:a16="http://schemas.microsoft.com/office/drawing/2014/main" id="{4170FEF2-C014-4394-B55A-B4E2D6A89441}"/>
+                <a16:creationId xmlns:a16="http://schemas.microsoft.com/office/drawing/2014/main" id="{ACFDC110-02BF-4D9A-A902-B6CD3E42C8E0}"/>
               </a:ext>
             </a:extLst>
           </p:cNvPr>
@@ -5014,8 +5024,8 @@
         </p:blipFill>
         <p:spPr>
           <a:xfrm>
-            <a:off x="5424294" y="4336442"/>
-            <a:ext cx="1638830" cy="1638830"/>
+            <a:off x="3344507" y="4414905"/>
+            <a:ext cx="1989330" cy="1989330"/>
           </a:xfrm>
           <a:prstGeom prst="rect">
             <a:avLst/>
@@ -5024,10 +5034,10 @@
       </p:pic>
       <p:pic>
         <p:nvPicPr>
-          <p:cNvPr id="17" name="Picture 16">
+          <p:cNvPr id="10" name="Picture 9">
             <a:extLst>
               <a:ext uri="{FF2B5EF4-FFF2-40B4-BE49-F238E27FC236}">
-                <a16:creationId xmlns:a16="http://schemas.microsoft.com/office/drawing/2014/main" id="{ED13B808-86D5-4DDB-ADEF-506B0C0513D4}"/>
+                <a16:creationId xmlns:a16="http://schemas.microsoft.com/office/drawing/2014/main" id="{EC40D0A1-E875-4F99-A997-DCC6D0DAAD13}"/>
               </a:ext>
             </a:extLst>
           </p:cNvPr>
@@ -5050,8 +5060,8 @@
         </p:blipFill>
         <p:spPr>
           <a:xfrm>
-            <a:off x="3831790" y="3330157"/>
-            <a:ext cx="1528057" cy="1528057"/>
+            <a:off x="5052734" y="1827717"/>
+            <a:ext cx="2146349" cy="1547368"/>
           </a:xfrm>
           <a:prstGeom prst="rect">
             <a:avLst/>
@@ -5060,10 +5070,10 @@
       </p:pic>
       <p:pic>
         <p:nvPicPr>
-          <p:cNvPr id="19" name="Picture 18">
+          <p:cNvPr id="16" name="Picture 15">
             <a:extLst>
               <a:ext uri="{FF2B5EF4-FFF2-40B4-BE49-F238E27FC236}">
-                <a16:creationId xmlns:a16="http://schemas.microsoft.com/office/drawing/2014/main" id="{ACFDC110-02BF-4D9A-A902-B6CD3E42C8E0}"/>
+                <a16:creationId xmlns:a16="http://schemas.microsoft.com/office/drawing/2014/main" id="{50B25594-FC1B-4787-9C06-299775E5BE8E}"/>
               </a:ext>
             </a:extLst>
           </p:cNvPr>
@@ -5086,8 +5096,44 @@
         </p:blipFill>
         <p:spPr>
           <a:xfrm>
-            <a:off x="3344507" y="4414905"/>
-            <a:ext cx="1989330" cy="1989330"/>
+            <a:off x="5668061" y="3086360"/>
+            <a:ext cx="1151296" cy="1151296"/>
+          </a:xfrm>
+          <a:prstGeom prst="rect">
+            <a:avLst/>
+          </a:prstGeom>
+        </p:spPr>
+      </p:pic>
+      <p:pic>
+        <p:nvPicPr>
+          <p:cNvPr id="18" name="Picture 17">
+            <a:extLst>
+              <a:ext uri="{FF2B5EF4-FFF2-40B4-BE49-F238E27FC236}">
+                <a16:creationId xmlns:a16="http://schemas.microsoft.com/office/drawing/2014/main" id="{57149C25-96D9-4187-87E8-2E2869AA1FBF}"/>
+              </a:ext>
+            </a:extLst>
+          </p:cNvPr>
+          <p:cNvPicPr>
+            <a:picLocks noChangeAspect="1"/>
+          </p:cNvPicPr>
+          <p:nvPr/>
+        </p:nvPicPr>
+        <p:blipFill>
+          <a:blip r:embed="rId9">
+            <a:extLst>
+              <a:ext uri="{28A0092B-C50C-407E-A947-70E740481C1C}">
+                <a14:useLocalDpi xmlns:a14="http://schemas.microsoft.com/office/drawing/2010/main" val="0"/>
+              </a:ext>
+            </a:extLst>
+          </a:blip>
+          <a:stretch>
+            <a:fillRect/>
+          </a:stretch>
+        </p:blipFill>
+        <p:spPr>
+          <a:xfrm>
+            <a:off x="7166064" y="2212925"/>
+            <a:ext cx="1296691" cy="1296691"/>
           </a:xfrm>
           <a:prstGeom prst="rect">
             <a:avLst/>
